--- a/IP&C/ANSTY_Patent_Images.pptx
+++ b/IP&C/ANSTY_Patent_Images.pptx
@@ -10,6 +10,9 @@
     <p:sldId id="260" r:id="rId4"/>
     <p:sldId id="258" r:id="rId5"/>
     <p:sldId id="259" r:id="rId6"/>
+    <p:sldId id="261" r:id="rId7"/>
+    <p:sldId id="263" r:id="rId8"/>
+    <p:sldId id="262" r:id="rId9"/>
   </p:sldIdLst>
   <p:sldSz cx="12192000" cy="6858000"/>
   <p:notesSz cx="6858000" cy="9144000"/>
@@ -142,7 +145,7 @@
           <p:cNvPr id="2" name="Title 1">
             <a:extLst>
               <a:ext uri="{FF2B5EF4-FFF2-40B4-BE49-F238E27FC236}">
-                <a16:creationId xmlns:a16="http://schemas.microsoft.com/office/drawing/2014/main" id="{E574513A-9AB6-4DC5-816D-80E47EBFCEF9}"/>
+                <a16:creationId xmlns="" xmlns:a16="http://schemas.microsoft.com/office/drawing/2014/main" id="{E574513A-9AB6-4DC5-816D-80E47EBFCEF9}"/>
               </a:ext>
             </a:extLst>
           </p:cNvPr>
@@ -179,7 +182,7 @@
           <p:cNvPr id="3" name="Subtitle 2">
             <a:extLst>
               <a:ext uri="{FF2B5EF4-FFF2-40B4-BE49-F238E27FC236}">
-                <a16:creationId xmlns:a16="http://schemas.microsoft.com/office/drawing/2014/main" id="{FF3EA288-D7A9-46C6-93B0-4CA241FE8121}"/>
+                <a16:creationId xmlns="" xmlns:a16="http://schemas.microsoft.com/office/drawing/2014/main" id="{FF3EA288-D7A9-46C6-93B0-4CA241FE8121}"/>
               </a:ext>
             </a:extLst>
           </p:cNvPr>
@@ -249,7 +252,7 @@
           <p:cNvPr id="4" name="Date Placeholder 3">
             <a:extLst>
               <a:ext uri="{FF2B5EF4-FFF2-40B4-BE49-F238E27FC236}">
-                <a16:creationId xmlns:a16="http://schemas.microsoft.com/office/drawing/2014/main" id="{4915CDC9-EDE6-46D1-8418-E7FC83F42F5F}"/>
+                <a16:creationId xmlns="" xmlns:a16="http://schemas.microsoft.com/office/drawing/2014/main" id="{4915CDC9-EDE6-46D1-8418-E7FC83F42F5F}"/>
               </a:ext>
             </a:extLst>
           </p:cNvPr>
@@ -267,7 +270,7 @@
           <a:p>
             <a:fld id="{D30BCCF8-317D-45D3-85AC-8688991BB068}" type="datetimeFigureOut">
               <a:rPr lang="en-US" smtClean="0"/>
-              <a:t>7/20/2017</a:t>
+              <a:t>2/16/18</a:t>
             </a:fld>
             <a:endParaRPr lang="en-US"/>
           </a:p>
@@ -278,7 +281,7 @@
           <p:cNvPr id="5" name="Footer Placeholder 4">
             <a:extLst>
               <a:ext uri="{FF2B5EF4-FFF2-40B4-BE49-F238E27FC236}">
-                <a16:creationId xmlns:a16="http://schemas.microsoft.com/office/drawing/2014/main" id="{EE9936F0-411C-4B5E-BAB6-7C759C8E35A8}"/>
+                <a16:creationId xmlns="" xmlns:a16="http://schemas.microsoft.com/office/drawing/2014/main" id="{EE9936F0-411C-4B5E-BAB6-7C759C8E35A8}"/>
               </a:ext>
             </a:extLst>
           </p:cNvPr>
@@ -303,7 +306,7 @@
           <p:cNvPr id="6" name="Slide Number Placeholder 5">
             <a:extLst>
               <a:ext uri="{FF2B5EF4-FFF2-40B4-BE49-F238E27FC236}">
-                <a16:creationId xmlns:a16="http://schemas.microsoft.com/office/drawing/2014/main" id="{4FADB70C-9BC7-4587-BB0C-C521CFBC4EE9}"/>
+                <a16:creationId xmlns="" xmlns:a16="http://schemas.microsoft.com/office/drawing/2014/main" id="{4FADB70C-9BC7-4587-BB0C-C521CFBC4EE9}"/>
               </a:ext>
             </a:extLst>
           </p:cNvPr>
@@ -362,7 +365,7 @@
           <p:cNvPr id="2" name="Title 1">
             <a:extLst>
               <a:ext uri="{FF2B5EF4-FFF2-40B4-BE49-F238E27FC236}">
-                <a16:creationId xmlns:a16="http://schemas.microsoft.com/office/drawing/2014/main" id="{021237F1-6DBE-4D74-A18F-6B441122E1DD}"/>
+                <a16:creationId xmlns="" xmlns:a16="http://schemas.microsoft.com/office/drawing/2014/main" id="{021237F1-6DBE-4D74-A18F-6B441122E1DD}"/>
               </a:ext>
             </a:extLst>
           </p:cNvPr>
@@ -390,7 +393,7 @@
           <p:cNvPr id="3" name="Vertical Text Placeholder 2">
             <a:extLst>
               <a:ext uri="{FF2B5EF4-FFF2-40B4-BE49-F238E27FC236}">
-                <a16:creationId xmlns:a16="http://schemas.microsoft.com/office/drawing/2014/main" id="{A0051F46-C288-4CFF-97AA-D4B1D12AB16F}"/>
+                <a16:creationId xmlns="" xmlns:a16="http://schemas.microsoft.com/office/drawing/2014/main" id="{A0051F46-C288-4CFF-97AA-D4B1D12AB16F}"/>
               </a:ext>
             </a:extLst>
           </p:cNvPr>
@@ -447,7 +450,7 @@
           <p:cNvPr id="4" name="Date Placeholder 3">
             <a:extLst>
               <a:ext uri="{FF2B5EF4-FFF2-40B4-BE49-F238E27FC236}">
-                <a16:creationId xmlns:a16="http://schemas.microsoft.com/office/drawing/2014/main" id="{9B656676-F42C-46C3-AB65-478F2D940F4C}"/>
+                <a16:creationId xmlns="" xmlns:a16="http://schemas.microsoft.com/office/drawing/2014/main" id="{9B656676-F42C-46C3-AB65-478F2D940F4C}"/>
               </a:ext>
             </a:extLst>
           </p:cNvPr>
@@ -465,7 +468,7 @@
           <a:p>
             <a:fld id="{D30BCCF8-317D-45D3-85AC-8688991BB068}" type="datetimeFigureOut">
               <a:rPr lang="en-US" smtClean="0"/>
-              <a:t>7/20/2017</a:t>
+              <a:t>2/16/18</a:t>
             </a:fld>
             <a:endParaRPr lang="en-US"/>
           </a:p>
@@ -476,7 +479,7 @@
           <p:cNvPr id="5" name="Footer Placeholder 4">
             <a:extLst>
               <a:ext uri="{FF2B5EF4-FFF2-40B4-BE49-F238E27FC236}">
-                <a16:creationId xmlns:a16="http://schemas.microsoft.com/office/drawing/2014/main" id="{9B03514A-E716-4DB7-8B1D-F499572ED1CF}"/>
+                <a16:creationId xmlns="" xmlns:a16="http://schemas.microsoft.com/office/drawing/2014/main" id="{9B03514A-E716-4DB7-8B1D-F499572ED1CF}"/>
               </a:ext>
             </a:extLst>
           </p:cNvPr>
@@ -501,7 +504,7 @@
           <p:cNvPr id="6" name="Slide Number Placeholder 5">
             <a:extLst>
               <a:ext uri="{FF2B5EF4-FFF2-40B4-BE49-F238E27FC236}">
-                <a16:creationId xmlns:a16="http://schemas.microsoft.com/office/drawing/2014/main" id="{5095BF51-5AD1-4A83-8E62-C8A1F329B129}"/>
+                <a16:creationId xmlns="" xmlns:a16="http://schemas.microsoft.com/office/drawing/2014/main" id="{5095BF51-5AD1-4A83-8E62-C8A1F329B129}"/>
               </a:ext>
             </a:extLst>
           </p:cNvPr>
@@ -560,7 +563,7 @@
           <p:cNvPr id="2" name="Vertical Title 1">
             <a:extLst>
               <a:ext uri="{FF2B5EF4-FFF2-40B4-BE49-F238E27FC236}">
-                <a16:creationId xmlns:a16="http://schemas.microsoft.com/office/drawing/2014/main" id="{932EA3CB-2959-4C4E-A84E-849FBE5729A5}"/>
+                <a16:creationId xmlns="" xmlns:a16="http://schemas.microsoft.com/office/drawing/2014/main" id="{932EA3CB-2959-4C4E-A84E-849FBE5729A5}"/>
               </a:ext>
             </a:extLst>
           </p:cNvPr>
@@ -593,7 +596,7 @@
           <p:cNvPr id="3" name="Vertical Text Placeholder 2">
             <a:extLst>
               <a:ext uri="{FF2B5EF4-FFF2-40B4-BE49-F238E27FC236}">
-                <a16:creationId xmlns:a16="http://schemas.microsoft.com/office/drawing/2014/main" id="{A4D7F046-9C53-4D08-B53C-4478A24F6182}"/>
+                <a16:creationId xmlns="" xmlns:a16="http://schemas.microsoft.com/office/drawing/2014/main" id="{A4D7F046-9C53-4D08-B53C-4478A24F6182}"/>
               </a:ext>
             </a:extLst>
           </p:cNvPr>
@@ -655,7 +658,7 @@
           <p:cNvPr id="4" name="Date Placeholder 3">
             <a:extLst>
               <a:ext uri="{FF2B5EF4-FFF2-40B4-BE49-F238E27FC236}">
-                <a16:creationId xmlns:a16="http://schemas.microsoft.com/office/drawing/2014/main" id="{3F717180-B1D6-43BE-A98A-AAA6B4C5D665}"/>
+                <a16:creationId xmlns="" xmlns:a16="http://schemas.microsoft.com/office/drawing/2014/main" id="{3F717180-B1D6-43BE-A98A-AAA6B4C5D665}"/>
               </a:ext>
             </a:extLst>
           </p:cNvPr>
@@ -673,7 +676,7 @@
           <a:p>
             <a:fld id="{D30BCCF8-317D-45D3-85AC-8688991BB068}" type="datetimeFigureOut">
               <a:rPr lang="en-US" smtClean="0"/>
-              <a:t>7/20/2017</a:t>
+              <a:t>2/16/18</a:t>
             </a:fld>
             <a:endParaRPr lang="en-US"/>
           </a:p>
@@ -684,7 +687,7 @@
           <p:cNvPr id="5" name="Footer Placeholder 4">
             <a:extLst>
               <a:ext uri="{FF2B5EF4-FFF2-40B4-BE49-F238E27FC236}">
-                <a16:creationId xmlns:a16="http://schemas.microsoft.com/office/drawing/2014/main" id="{39D96EA2-39FE-4055-8301-D6C1E7DA4A73}"/>
+                <a16:creationId xmlns="" xmlns:a16="http://schemas.microsoft.com/office/drawing/2014/main" id="{39D96EA2-39FE-4055-8301-D6C1E7DA4A73}"/>
               </a:ext>
             </a:extLst>
           </p:cNvPr>
@@ -709,7 +712,7 @@
           <p:cNvPr id="6" name="Slide Number Placeholder 5">
             <a:extLst>
               <a:ext uri="{FF2B5EF4-FFF2-40B4-BE49-F238E27FC236}">
-                <a16:creationId xmlns:a16="http://schemas.microsoft.com/office/drawing/2014/main" id="{1B26CF4F-CA13-44D0-A101-0FE5EEEB79FC}"/>
+                <a16:creationId xmlns="" xmlns:a16="http://schemas.microsoft.com/office/drawing/2014/main" id="{1B26CF4F-CA13-44D0-A101-0FE5EEEB79FC}"/>
               </a:ext>
             </a:extLst>
           </p:cNvPr>
@@ -768,7 +771,7 @@
           <p:cNvPr id="2" name="Title 1">
             <a:extLst>
               <a:ext uri="{FF2B5EF4-FFF2-40B4-BE49-F238E27FC236}">
-                <a16:creationId xmlns:a16="http://schemas.microsoft.com/office/drawing/2014/main" id="{CACA60A6-76CC-40D6-A58F-F8B951CCFE56}"/>
+                <a16:creationId xmlns="" xmlns:a16="http://schemas.microsoft.com/office/drawing/2014/main" id="{CACA60A6-76CC-40D6-A58F-F8B951CCFE56}"/>
               </a:ext>
             </a:extLst>
           </p:cNvPr>
@@ -796,7 +799,7 @@
           <p:cNvPr id="3" name="Content Placeholder 2">
             <a:extLst>
               <a:ext uri="{FF2B5EF4-FFF2-40B4-BE49-F238E27FC236}">
-                <a16:creationId xmlns:a16="http://schemas.microsoft.com/office/drawing/2014/main" id="{51E38096-CE49-4B3B-A47C-6B45BB947626}"/>
+                <a16:creationId xmlns="" xmlns:a16="http://schemas.microsoft.com/office/drawing/2014/main" id="{51E38096-CE49-4B3B-A47C-6B45BB947626}"/>
               </a:ext>
             </a:extLst>
           </p:cNvPr>
@@ -853,7 +856,7 @@
           <p:cNvPr id="4" name="Date Placeholder 3">
             <a:extLst>
               <a:ext uri="{FF2B5EF4-FFF2-40B4-BE49-F238E27FC236}">
-                <a16:creationId xmlns:a16="http://schemas.microsoft.com/office/drawing/2014/main" id="{EE81BA38-809A-4196-9ED4-B2FBABEC3D4A}"/>
+                <a16:creationId xmlns="" xmlns:a16="http://schemas.microsoft.com/office/drawing/2014/main" id="{EE81BA38-809A-4196-9ED4-B2FBABEC3D4A}"/>
               </a:ext>
             </a:extLst>
           </p:cNvPr>
@@ -871,7 +874,7 @@
           <a:p>
             <a:fld id="{D30BCCF8-317D-45D3-85AC-8688991BB068}" type="datetimeFigureOut">
               <a:rPr lang="en-US" smtClean="0"/>
-              <a:t>7/20/2017</a:t>
+              <a:t>2/16/18</a:t>
             </a:fld>
             <a:endParaRPr lang="en-US"/>
           </a:p>
@@ -882,7 +885,7 @@
           <p:cNvPr id="5" name="Footer Placeholder 4">
             <a:extLst>
               <a:ext uri="{FF2B5EF4-FFF2-40B4-BE49-F238E27FC236}">
-                <a16:creationId xmlns:a16="http://schemas.microsoft.com/office/drawing/2014/main" id="{A2448F79-AD91-4B43-A890-DA710F0C3B82}"/>
+                <a16:creationId xmlns="" xmlns:a16="http://schemas.microsoft.com/office/drawing/2014/main" id="{A2448F79-AD91-4B43-A890-DA710F0C3B82}"/>
               </a:ext>
             </a:extLst>
           </p:cNvPr>
@@ -907,7 +910,7 @@
           <p:cNvPr id="6" name="Slide Number Placeholder 5">
             <a:extLst>
               <a:ext uri="{FF2B5EF4-FFF2-40B4-BE49-F238E27FC236}">
-                <a16:creationId xmlns:a16="http://schemas.microsoft.com/office/drawing/2014/main" id="{D33FDEA5-75B0-4EF7-9430-9DE76F631C10}"/>
+                <a16:creationId xmlns="" xmlns:a16="http://schemas.microsoft.com/office/drawing/2014/main" id="{D33FDEA5-75B0-4EF7-9430-9DE76F631C10}"/>
               </a:ext>
             </a:extLst>
           </p:cNvPr>
@@ -966,7 +969,7 @@
           <p:cNvPr id="2" name="Title 1">
             <a:extLst>
               <a:ext uri="{FF2B5EF4-FFF2-40B4-BE49-F238E27FC236}">
-                <a16:creationId xmlns:a16="http://schemas.microsoft.com/office/drawing/2014/main" id="{558623A5-A84C-4A28-98C3-DF735D94C8D9}"/>
+                <a16:creationId xmlns="" xmlns:a16="http://schemas.microsoft.com/office/drawing/2014/main" id="{558623A5-A84C-4A28-98C3-DF735D94C8D9}"/>
               </a:ext>
             </a:extLst>
           </p:cNvPr>
@@ -1003,7 +1006,7 @@
           <p:cNvPr id="3" name="Text Placeholder 2">
             <a:extLst>
               <a:ext uri="{FF2B5EF4-FFF2-40B4-BE49-F238E27FC236}">
-                <a16:creationId xmlns:a16="http://schemas.microsoft.com/office/drawing/2014/main" id="{CCB660F4-B04D-4D71-8A05-5892D21EE589}"/>
+                <a16:creationId xmlns="" xmlns:a16="http://schemas.microsoft.com/office/drawing/2014/main" id="{CCB660F4-B04D-4D71-8A05-5892D21EE589}"/>
               </a:ext>
             </a:extLst>
           </p:cNvPr>
@@ -1128,7 +1131,7 @@
           <p:cNvPr id="4" name="Date Placeholder 3">
             <a:extLst>
               <a:ext uri="{FF2B5EF4-FFF2-40B4-BE49-F238E27FC236}">
-                <a16:creationId xmlns:a16="http://schemas.microsoft.com/office/drawing/2014/main" id="{C904FCF4-4DB7-4F81-9B3B-8A176FF65339}"/>
+                <a16:creationId xmlns="" xmlns:a16="http://schemas.microsoft.com/office/drawing/2014/main" id="{C904FCF4-4DB7-4F81-9B3B-8A176FF65339}"/>
               </a:ext>
             </a:extLst>
           </p:cNvPr>
@@ -1146,7 +1149,7 @@
           <a:p>
             <a:fld id="{D30BCCF8-317D-45D3-85AC-8688991BB068}" type="datetimeFigureOut">
               <a:rPr lang="en-US" smtClean="0"/>
-              <a:t>7/20/2017</a:t>
+              <a:t>2/16/18</a:t>
             </a:fld>
             <a:endParaRPr lang="en-US"/>
           </a:p>
@@ -1157,7 +1160,7 @@
           <p:cNvPr id="5" name="Footer Placeholder 4">
             <a:extLst>
               <a:ext uri="{FF2B5EF4-FFF2-40B4-BE49-F238E27FC236}">
-                <a16:creationId xmlns:a16="http://schemas.microsoft.com/office/drawing/2014/main" id="{9E41887C-D909-40B7-AD10-FF340EA7C1E7}"/>
+                <a16:creationId xmlns="" xmlns:a16="http://schemas.microsoft.com/office/drawing/2014/main" id="{9E41887C-D909-40B7-AD10-FF340EA7C1E7}"/>
               </a:ext>
             </a:extLst>
           </p:cNvPr>
@@ -1182,7 +1185,7 @@
           <p:cNvPr id="6" name="Slide Number Placeholder 5">
             <a:extLst>
               <a:ext uri="{FF2B5EF4-FFF2-40B4-BE49-F238E27FC236}">
-                <a16:creationId xmlns:a16="http://schemas.microsoft.com/office/drawing/2014/main" id="{231C409B-3D7E-4C9C-A514-3FC7F72CCD40}"/>
+                <a16:creationId xmlns="" xmlns:a16="http://schemas.microsoft.com/office/drawing/2014/main" id="{231C409B-3D7E-4C9C-A514-3FC7F72CCD40}"/>
               </a:ext>
             </a:extLst>
           </p:cNvPr>
@@ -1241,7 +1244,7 @@
           <p:cNvPr id="2" name="Title 1">
             <a:extLst>
               <a:ext uri="{FF2B5EF4-FFF2-40B4-BE49-F238E27FC236}">
-                <a16:creationId xmlns:a16="http://schemas.microsoft.com/office/drawing/2014/main" id="{0E4E006C-F4A5-49C0-9E6E-B5189DDF01FF}"/>
+                <a16:creationId xmlns="" xmlns:a16="http://schemas.microsoft.com/office/drawing/2014/main" id="{0E4E006C-F4A5-49C0-9E6E-B5189DDF01FF}"/>
               </a:ext>
             </a:extLst>
           </p:cNvPr>
@@ -1269,7 +1272,7 @@
           <p:cNvPr id="3" name="Content Placeholder 2">
             <a:extLst>
               <a:ext uri="{FF2B5EF4-FFF2-40B4-BE49-F238E27FC236}">
-                <a16:creationId xmlns:a16="http://schemas.microsoft.com/office/drawing/2014/main" id="{139BEF06-4ADA-4E2D-80D5-E49D053F03FE}"/>
+                <a16:creationId xmlns="" xmlns:a16="http://schemas.microsoft.com/office/drawing/2014/main" id="{139BEF06-4ADA-4E2D-80D5-E49D053F03FE}"/>
               </a:ext>
             </a:extLst>
           </p:cNvPr>
@@ -1331,7 +1334,7 @@
           <p:cNvPr id="4" name="Content Placeholder 3">
             <a:extLst>
               <a:ext uri="{FF2B5EF4-FFF2-40B4-BE49-F238E27FC236}">
-                <a16:creationId xmlns:a16="http://schemas.microsoft.com/office/drawing/2014/main" id="{2FC95AC0-51A3-4F1B-B3DA-28F9F0632CD4}"/>
+                <a16:creationId xmlns="" xmlns:a16="http://schemas.microsoft.com/office/drawing/2014/main" id="{2FC95AC0-51A3-4F1B-B3DA-28F9F0632CD4}"/>
               </a:ext>
             </a:extLst>
           </p:cNvPr>
@@ -1393,7 +1396,7 @@
           <p:cNvPr id="5" name="Date Placeholder 4">
             <a:extLst>
               <a:ext uri="{FF2B5EF4-FFF2-40B4-BE49-F238E27FC236}">
-                <a16:creationId xmlns:a16="http://schemas.microsoft.com/office/drawing/2014/main" id="{4AAA5F56-FCB0-40EC-A786-9ACE04CBAD7B}"/>
+                <a16:creationId xmlns="" xmlns:a16="http://schemas.microsoft.com/office/drawing/2014/main" id="{4AAA5F56-FCB0-40EC-A786-9ACE04CBAD7B}"/>
               </a:ext>
             </a:extLst>
           </p:cNvPr>
@@ -1411,7 +1414,7 @@
           <a:p>
             <a:fld id="{D30BCCF8-317D-45D3-85AC-8688991BB068}" type="datetimeFigureOut">
               <a:rPr lang="en-US" smtClean="0"/>
-              <a:t>7/20/2017</a:t>
+              <a:t>2/16/18</a:t>
             </a:fld>
             <a:endParaRPr lang="en-US"/>
           </a:p>
@@ -1422,7 +1425,7 @@
           <p:cNvPr id="6" name="Footer Placeholder 5">
             <a:extLst>
               <a:ext uri="{FF2B5EF4-FFF2-40B4-BE49-F238E27FC236}">
-                <a16:creationId xmlns:a16="http://schemas.microsoft.com/office/drawing/2014/main" id="{C1F3631A-B22E-4695-9A7E-F29F936B3F5B}"/>
+                <a16:creationId xmlns="" xmlns:a16="http://schemas.microsoft.com/office/drawing/2014/main" id="{C1F3631A-B22E-4695-9A7E-F29F936B3F5B}"/>
               </a:ext>
             </a:extLst>
           </p:cNvPr>
@@ -1447,7 +1450,7 @@
           <p:cNvPr id="7" name="Slide Number Placeholder 6">
             <a:extLst>
               <a:ext uri="{FF2B5EF4-FFF2-40B4-BE49-F238E27FC236}">
-                <a16:creationId xmlns:a16="http://schemas.microsoft.com/office/drawing/2014/main" id="{BA2BB0DA-87C7-457A-A366-5821231BB802}"/>
+                <a16:creationId xmlns="" xmlns:a16="http://schemas.microsoft.com/office/drawing/2014/main" id="{BA2BB0DA-87C7-457A-A366-5821231BB802}"/>
               </a:ext>
             </a:extLst>
           </p:cNvPr>
@@ -1506,7 +1509,7 @@
           <p:cNvPr id="2" name="Title 1">
             <a:extLst>
               <a:ext uri="{FF2B5EF4-FFF2-40B4-BE49-F238E27FC236}">
-                <a16:creationId xmlns:a16="http://schemas.microsoft.com/office/drawing/2014/main" id="{32F5E933-DC7A-4217-9585-1155013BEACF}"/>
+                <a16:creationId xmlns="" xmlns:a16="http://schemas.microsoft.com/office/drawing/2014/main" id="{32F5E933-DC7A-4217-9585-1155013BEACF}"/>
               </a:ext>
             </a:extLst>
           </p:cNvPr>
@@ -1539,7 +1542,7 @@
           <p:cNvPr id="3" name="Text Placeholder 2">
             <a:extLst>
               <a:ext uri="{FF2B5EF4-FFF2-40B4-BE49-F238E27FC236}">
-                <a16:creationId xmlns:a16="http://schemas.microsoft.com/office/drawing/2014/main" id="{5F9EE4F4-6595-4ED4-B574-FB0B83A28674}"/>
+                <a16:creationId xmlns="" xmlns:a16="http://schemas.microsoft.com/office/drawing/2014/main" id="{5F9EE4F4-6595-4ED4-B574-FB0B83A28674}"/>
               </a:ext>
             </a:extLst>
           </p:cNvPr>
@@ -1610,7 +1613,7 @@
           <p:cNvPr id="4" name="Content Placeholder 3">
             <a:extLst>
               <a:ext uri="{FF2B5EF4-FFF2-40B4-BE49-F238E27FC236}">
-                <a16:creationId xmlns:a16="http://schemas.microsoft.com/office/drawing/2014/main" id="{16A990DA-19EC-430D-930F-96253331EA62}"/>
+                <a16:creationId xmlns="" xmlns:a16="http://schemas.microsoft.com/office/drawing/2014/main" id="{16A990DA-19EC-430D-930F-96253331EA62}"/>
               </a:ext>
             </a:extLst>
           </p:cNvPr>
@@ -1672,7 +1675,7 @@
           <p:cNvPr id="5" name="Text Placeholder 4">
             <a:extLst>
               <a:ext uri="{FF2B5EF4-FFF2-40B4-BE49-F238E27FC236}">
-                <a16:creationId xmlns:a16="http://schemas.microsoft.com/office/drawing/2014/main" id="{E5296CC0-DB6D-429C-91A4-9ECDCE1BCC50}"/>
+                <a16:creationId xmlns="" xmlns:a16="http://schemas.microsoft.com/office/drawing/2014/main" id="{E5296CC0-DB6D-429C-91A4-9ECDCE1BCC50}"/>
               </a:ext>
             </a:extLst>
           </p:cNvPr>
@@ -1743,7 +1746,7 @@
           <p:cNvPr id="6" name="Content Placeholder 5">
             <a:extLst>
               <a:ext uri="{FF2B5EF4-FFF2-40B4-BE49-F238E27FC236}">
-                <a16:creationId xmlns:a16="http://schemas.microsoft.com/office/drawing/2014/main" id="{636390D0-B0C3-4665-9B7C-4446AF389B30}"/>
+                <a16:creationId xmlns="" xmlns:a16="http://schemas.microsoft.com/office/drawing/2014/main" id="{636390D0-B0C3-4665-9B7C-4446AF389B30}"/>
               </a:ext>
             </a:extLst>
           </p:cNvPr>
@@ -1805,7 +1808,7 @@
           <p:cNvPr id="7" name="Date Placeholder 6">
             <a:extLst>
               <a:ext uri="{FF2B5EF4-FFF2-40B4-BE49-F238E27FC236}">
-                <a16:creationId xmlns:a16="http://schemas.microsoft.com/office/drawing/2014/main" id="{FF735245-7D38-4000-9F3C-DBED1C808EE1}"/>
+                <a16:creationId xmlns="" xmlns:a16="http://schemas.microsoft.com/office/drawing/2014/main" id="{FF735245-7D38-4000-9F3C-DBED1C808EE1}"/>
               </a:ext>
             </a:extLst>
           </p:cNvPr>
@@ -1823,7 +1826,7 @@
           <a:p>
             <a:fld id="{D30BCCF8-317D-45D3-85AC-8688991BB068}" type="datetimeFigureOut">
               <a:rPr lang="en-US" smtClean="0"/>
-              <a:t>7/20/2017</a:t>
+              <a:t>2/16/18</a:t>
             </a:fld>
             <a:endParaRPr lang="en-US"/>
           </a:p>
@@ -1834,7 +1837,7 @@
           <p:cNvPr id="8" name="Footer Placeholder 7">
             <a:extLst>
               <a:ext uri="{FF2B5EF4-FFF2-40B4-BE49-F238E27FC236}">
-                <a16:creationId xmlns:a16="http://schemas.microsoft.com/office/drawing/2014/main" id="{A44601CD-AAC6-4D5E-9E23-85A52625AAA6}"/>
+                <a16:creationId xmlns="" xmlns:a16="http://schemas.microsoft.com/office/drawing/2014/main" id="{A44601CD-AAC6-4D5E-9E23-85A52625AAA6}"/>
               </a:ext>
             </a:extLst>
           </p:cNvPr>
@@ -1859,7 +1862,7 @@
           <p:cNvPr id="9" name="Slide Number Placeholder 8">
             <a:extLst>
               <a:ext uri="{FF2B5EF4-FFF2-40B4-BE49-F238E27FC236}">
-                <a16:creationId xmlns:a16="http://schemas.microsoft.com/office/drawing/2014/main" id="{266EDB21-7C23-4C9E-92E0-2FED6BD51465}"/>
+                <a16:creationId xmlns="" xmlns:a16="http://schemas.microsoft.com/office/drawing/2014/main" id="{266EDB21-7C23-4C9E-92E0-2FED6BD51465}"/>
               </a:ext>
             </a:extLst>
           </p:cNvPr>
@@ -1918,7 +1921,7 @@
           <p:cNvPr id="2" name="Title 1">
             <a:extLst>
               <a:ext uri="{FF2B5EF4-FFF2-40B4-BE49-F238E27FC236}">
-                <a16:creationId xmlns:a16="http://schemas.microsoft.com/office/drawing/2014/main" id="{BF6B8F45-8406-435B-B1A2-698B909A44AC}"/>
+                <a16:creationId xmlns="" xmlns:a16="http://schemas.microsoft.com/office/drawing/2014/main" id="{BF6B8F45-8406-435B-B1A2-698B909A44AC}"/>
               </a:ext>
             </a:extLst>
           </p:cNvPr>
@@ -1946,7 +1949,7 @@
           <p:cNvPr id="3" name="Date Placeholder 2">
             <a:extLst>
               <a:ext uri="{FF2B5EF4-FFF2-40B4-BE49-F238E27FC236}">
-                <a16:creationId xmlns:a16="http://schemas.microsoft.com/office/drawing/2014/main" id="{1B634E05-3424-4164-BD2C-D5F7D9A22A45}"/>
+                <a16:creationId xmlns="" xmlns:a16="http://schemas.microsoft.com/office/drawing/2014/main" id="{1B634E05-3424-4164-BD2C-D5F7D9A22A45}"/>
               </a:ext>
             </a:extLst>
           </p:cNvPr>
@@ -1964,7 +1967,7 @@
           <a:p>
             <a:fld id="{D30BCCF8-317D-45D3-85AC-8688991BB068}" type="datetimeFigureOut">
               <a:rPr lang="en-US" smtClean="0"/>
-              <a:t>7/20/2017</a:t>
+              <a:t>2/16/18</a:t>
             </a:fld>
             <a:endParaRPr lang="en-US"/>
           </a:p>
@@ -1975,7 +1978,7 @@
           <p:cNvPr id="4" name="Footer Placeholder 3">
             <a:extLst>
               <a:ext uri="{FF2B5EF4-FFF2-40B4-BE49-F238E27FC236}">
-                <a16:creationId xmlns:a16="http://schemas.microsoft.com/office/drawing/2014/main" id="{6D0CA6DC-E711-4A3A-88DF-135B70AB2805}"/>
+                <a16:creationId xmlns="" xmlns:a16="http://schemas.microsoft.com/office/drawing/2014/main" id="{6D0CA6DC-E711-4A3A-88DF-135B70AB2805}"/>
               </a:ext>
             </a:extLst>
           </p:cNvPr>
@@ -2000,7 +2003,7 @@
           <p:cNvPr id="5" name="Slide Number Placeholder 4">
             <a:extLst>
               <a:ext uri="{FF2B5EF4-FFF2-40B4-BE49-F238E27FC236}">
-                <a16:creationId xmlns:a16="http://schemas.microsoft.com/office/drawing/2014/main" id="{E576BC59-70E3-4D18-A8C5-6DEA558C4128}"/>
+                <a16:creationId xmlns="" xmlns:a16="http://schemas.microsoft.com/office/drawing/2014/main" id="{E576BC59-70E3-4D18-A8C5-6DEA558C4128}"/>
               </a:ext>
             </a:extLst>
           </p:cNvPr>
@@ -2059,7 +2062,7 @@
           <p:cNvPr id="2" name="Date Placeholder 1">
             <a:extLst>
               <a:ext uri="{FF2B5EF4-FFF2-40B4-BE49-F238E27FC236}">
-                <a16:creationId xmlns:a16="http://schemas.microsoft.com/office/drawing/2014/main" id="{4E88CD43-C5CA-4DD8-9981-1FC53EA734BF}"/>
+                <a16:creationId xmlns="" xmlns:a16="http://schemas.microsoft.com/office/drawing/2014/main" id="{4E88CD43-C5CA-4DD8-9981-1FC53EA734BF}"/>
               </a:ext>
             </a:extLst>
           </p:cNvPr>
@@ -2077,7 +2080,7 @@
           <a:p>
             <a:fld id="{D30BCCF8-317D-45D3-85AC-8688991BB068}" type="datetimeFigureOut">
               <a:rPr lang="en-US" smtClean="0"/>
-              <a:t>7/20/2017</a:t>
+              <a:t>2/16/18</a:t>
             </a:fld>
             <a:endParaRPr lang="en-US"/>
           </a:p>
@@ -2088,7 +2091,7 @@
           <p:cNvPr id="3" name="Footer Placeholder 2">
             <a:extLst>
               <a:ext uri="{FF2B5EF4-FFF2-40B4-BE49-F238E27FC236}">
-                <a16:creationId xmlns:a16="http://schemas.microsoft.com/office/drawing/2014/main" id="{6601AB2E-90D4-47D5-B844-BE7ECBD16D7E}"/>
+                <a16:creationId xmlns="" xmlns:a16="http://schemas.microsoft.com/office/drawing/2014/main" id="{6601AB2E-90D4-47D5-B844-BE7ECBD16D7E}"/>
               </a:ext>
             </a:extLst>
           </p:cNvPr>
@@ -2113,7 +2116,7 @@
           <p:cNvPr id="4" name="Slide Number Placeholder 3">
             <a:extLst>
               <a:ext uri="{FF2B5EF4-FFF2-40B4-BE49-F238E27FC236}">
-                <a16:creationId xmlns:a16="http://schemas.microsoft.com/office/drawing/2014/main" id="{23C3D52C-AFEE-4B97-ABD4-90ABA940F439}"/>
+                <a16:creationId xmlns="" xmlns:a16="http://schemas.microsoft.com/office/drawing/2014/main" id="{23C3D52C-AFEE-4B97-ABD4-90ABA940F439}"/>
               </a:ext>
             </a:extLst>
           </p:cNvPr>
@@ -2172,7 +2175,7 @@
           <p:cNvPr id="2" name="Title 1">
             <a:extLst>
               <a:ext uri="{FF2B5EF4-FFF2-40B4-BE49-F238E27FC236}">
-                <a16:creationId xmlns:a16="http://schemas.microsoft.com/office/drawing/2014/main" id="{9B98361C-D9C2-469F-BE51-22358233F47E}"/>
+                <a16:creationId xmlns="" xmlns:a16="http://schemas.microsoft.com/office/drawing/2014/main" id="{9B98361C-D9C2-469F-BE51-22358233F47E}"/>
               </a:ext>
             </a:extLst>
           </p:cNvPr>
@@ -2209,7 +2212,7 @@
           <p:cNvPr id="3" name="Content Placeholder 2">
             <a:extLst>
               <a:ext uri="{FF2B5EF4-FFF2-40B4-BE49-F238E27FC236}">
-                <a16:creationId xmlns:a16="http://schemas.microsoft.com/office/drawing/2014/main" id="{CBB6F2EB-2AA7-47BC-993F-7DC7A7CC3749}"/>
+                <a16:creationId xmlns="" xmlns:a16="http://schemas.microsoft.com/office/drawing/2014/main" id="{CBB6F2EB-2AA7-47BC-993F-7DC7A7CC3749}"/>
               </a:ext>
             </a:extLst>
           </p:cNvPr>
@@ -2299,7 +2302,7 @@
           <p:cNvPr id="4" name="Text Placeholder 3">
             <a:extLst>
               <a:ext uri="{FF2B5EF4-FFF2-40B4-BE49-F238E27FC236}">
-                <a16:creationId xmlns:a16="http://schemas.microsoft.com/office/drawing/2014/main" id="{675CA58C-1231-4042-B261-6CDD493E3EB7}"/>
+                <a16:creationId xmlns="" xmlns:a16="http://schemas.microsoft.com/office/drawing/2014/main" id="{675CA58C-1231-4042-B261-6CDD493E3EB7}"/>
               </a:ext>
             </a:extLst>
           </p:cNvPr>
@@ -2370,7 +2373,7 @@
           <p:cNvPr id="5" name="Date Placeholder 4">
             <a:extLst>
               <a:ext uri="{FF2B5EF4-FFF2-40B4-BE49-F238E27FC236}">
-                <a16:creationId xmlns:a16="http://schemas.microsoft.com/office/drawing/2014/main" id="{7D168DA8-B11E-4BEC-A6A6-A1A246EAF10E}"/>
+                <a16:creationId xmlns="" xmlns:a16="http://schemas.microsoft.com/office/drawing/2014/main" id="{7D168DA8-B11E-4BEC-A6A6-A1A246EAF10E}"/>
               </a:ext>
             </a:extLst>
           </p:cNvPr>
@@ -2388,7 +2391,7 @@
           <a:p>
             <a:fld id="{D30BCCF8-317D-45D3-85AC-8688991BB068}" type="datetimeFigureOut">
               <a:rPr lang="en-US" smtClean="0"/>
-              <a:t>7/20/2017</a:t>
+              <a:t>2/16/18</a:t>
             </a:fld>
             <a:endParaRPr lang="en-US"/>
           </a:p>
@@ -2399,7 +2402,7 @@
           <p:cNvPr id="6" name="Footer Placeholder 5">
             <a:extLst>
               <a:ext uri="{FF2B5EF4-FFF2-40B4-BE49-F238E27FC236}">
-                <a16:creationId xmlns:a16="http://schemas.microsoft.com/office/drawing/2014/main" id="{2E332532-8A17-4F12-9384-FE6FBDB590D2}"/>
+                <a16:creationId xmlns="" xmlns:a16="http://schemas.microsoft.com/office/drawing/2014/main" id="{2E332532-8A17-4F12-9384-FE6FBDB590D2}"/>
               </a:ext>
             </a:extLst>
           </p:cNvPr>
@@ -2424,7 +2427,7 @@
           <p:cNvPr id="7" name="Slide Number Placeholder 6">
             <a:extLst>
               <a:ext uri="{FF2B5EF4-FFF2-40B4-BE49-F238E27FC236}">
-                <a16:creationId xmlns:a16="http://schemas.microsoft.com/office/drawing/2014/main" id="{66B2E782-FEFD-41D1-90B3-6E2682E60F95}"/>
+                <a16:creationId xmlns="" xmlns:a16="http://schemas.microsoft.com/office/drawing/2014/main" id="{66B2E782-FEFD-41D1-90B3-6E2682E60F95}"/>
               </a:ext>
             </a:extLst>
           </p:cNvPr>
@@ -2483,7 +2486,7 @@
           <p:cNvPr id="2" name="Title 1">
             <a:extLst>
               <a:ext uri="{FF2B5EF4-FFF2-40B4-BE49-F238E27FC236}">
-                <a16:creationId xmlns:a16="http://schemas.microsoft.com/office/drawing/2014/main" id="{0742DDF0-7C21-42DC-8422-A9017783C984}"/>
+                <a16:creationId xmlns="" xmlns:a16="http://schemas.microsoft.com/office/drawing/2014/main" id="{0742DDF0-7C21-42DC-8422-A9017783C984}"/>
               </a:ext>
             </a:extLst>
           </p:cNvPr>
@@ -2520,7 +2523,7 @@
           <p:cNvPr id="3" name="Picture Placeholder 2">
             <a:extLst>
               <a:ext uri="{FF2B5EF4-FFF2-40B4-BE49-F238E27FC236}">
-                <a16:creationId xmlns:a16="http://schemas.microsoft.com/office/drawing/2014/main" id="{48F4C796-AE13-47EC-98E5-FB1FE797925B}"/>
+                <a16:creationId xmlns="" xmlns:a16="http://schemas.microsoft.com/office/drawing/2014/main" id="{48F4C796-AE13-47EC-98E5-FB1FE797925B}"/>
               </a:ext>
             </a:extLst>
           </p:cNvPr>
@@ -2587,7 +2590,7 @@
           <p:cNvPr id="4" name="Text Placeholder 3">
             <a:extLst>
               <a:ext uri="{FF2B5EF4-FFF2-40B4-BE49-F238E27FC236}">
-                <a16:creationId xmlns:a16="http://schemas.microsoft.com/office/drawing/2014/main" id="{A0F13109-7D4E-4A8C-B68C-EFD63EB1E00F}"/>
+                <a16:creationId xmlns="" xmlns:a16="http://schemas.microsoft.com/office/drawing/2014/main" id="{A0F13109-7D4E-4A8C-B68C-EFD63EB1E00F}"/>
               </a:ext>
             </a:extLst>
           </p:cNvPr>
@@ -2658,7 +2661,7 @@
           <p:cNvPr id="5" name="Date Placeholder 4">
             <a:extLst>
               <a:ext uri="{FF2B5EF4-FFF2-40B4-BE49-F238E27FC236}">
-                <a16:creationId xmlns:a16="http://schemas.microsoft.com/office/drawing/2014/main" id="{858072C9-D02A-436D-B92D-B8A17D00D106}"/>
+                <a16:creationId xmlns="" xmlns:a16="http://schemas.microsoft.com/office/drawing/2014/main" id="{858072C9-D02A-436D-B92D-B8A17D00D106}"/>
               </a:ext>
             </a:extLst>
           </p:cNvPr>
@@ -2676,7 +2679,7 @@
           <a:p>
             <a:fld id="{D30BCCF8-317D-45D3-85AC-8688991BB068}" type="datetimeFigureOut">
               <a:rPr lang="en-US" smtClean="0"/>
-              <a:t>7/20/2017</a:t>
+              <a:t>2/16/18</a:t>
             </a:fld>
             <a:endParaRPr lang="en-US"/>
           </a:p>
@@ -2687,7 +2690,7 @@
           <p:cNvPr id="6" name="Footer Placeholder 5">
             <a:extLst>
               <a:ext uri="{FF2B5EF4-FFF2-40B4-BE49-F238E27FC236}">
-                <a16:creationId xmlns:a16="http://schemas.microsoft.com/office/drawing/2014/main" id="{86EC4245-5D5E-4DAB-83CE-E6F36827E3E5}"/>
+                <a16:creationId xmlns="" xmlns:a16="http://schemas.microsoft.com/office/drawing/2014/main" id="{86EC4245-5D5E-4DAB-83CE-E6F36827E3E5}"/>
               </a:ext>
             </a:extLst>
           </p:cNvPr>
@@ -2712,7 +2715,7 @@
           <p:cNvPr id="7" name="Slide Number Placeholder 6">
             <a:extLst>
               <a:ext uri="{FF2B5EF4-FFF2-40B4-BE49-F238E27FC236}">
-                <a16:creationId xmlns:a16="http://schemas.microsoft.com/office/drawing/2014/main" id="{89DF7F6B-09A5-476C-81D2-0B3558EAB014}"/>
+                <a16:creationId xmlns="" xmlns:a16="http://schemas.microsoft.com/office/drawing/2014/main" id="{89DF7F6B-09A5-476C-81D2-0B3558EAB014}"/>
               </a:ext>
             </a:extLst>
           </p:cNvPr>
@@ -2776,7 +2779,7 @@
           <p:cNvPr id="2" name="Title Placeholder 1">
             <a:extLst>
               <a:ext uri="{FF2B5EF4-FFF2-40B4-BE49-F238E27FC236}">
-                <a16:creationId xmlns:a16="http://schemas.microsoft.com/office/drawing/2014/main" id="{797B66C9-DFDC-4439-952C-3A5A02BA19AA}"/>
+                <a16:creationId xmlns="" xmlns:a16="http://schemas.microsoft.com/office/drawing/2014/main" id="{797B66C9-DFDC-4439-952C-3A5A02BA19AA}"/>
               </a:ext>
             </a:extLst>
           </p:cNvPr>
@@ -2814,7 +2817,7 @@
           <p:cNvPr id="3" name="Text Placeholder 2">
             <a:extLst>
               <a:ext uri="{FF2B5EF4-FFF2-40B4-BE49-F238E27FC236}">
-                <a16:creationId xmlns:a16="http://schemas.microsoft.com/office/drawing/2014/main" id="{B94F3546-55F0-4B53-AA24-880260F47164}"/>
+                <a16:creationId xmlns="" xmlns:a16="http://schemas.microsoft.com/office/drawing/2014/main" id="{B94F3546-55F0-4B53-AA24-880260F47164}"/>
               </a:ext>
             </a:extLst>
           </p:cNvPr>
@@ -2881,7 +2884,7 @@
           <p:cNvPr id="4" name="Date Placeholder 3">
             <a:extLst>
               <a:ext uri="{FF2B5EF4-FFF2-40B4-BE49-F238E27FC236}">
-                <a16:creationId xmlns:a16="http://schemas.microsoft.com/office/drawing/2014/main" id="{864F1868-2771-482F-B53E-B0A3F2B0E91C}"/>
+                <a16:creationId xmlns="" xmlns:a16="http://schemas.microsoft.com/office/drawing/2014/main" id="{864F1868-2771-482F-B53E-B0A3F2B0E91C}"/>
               </a:ext>
             </a:extLst>
           </p:cNvPr>
@@ -2917,7 +2920,7 @@
           <a:p>
             <a:fld id="{D30BCCF8-317D-45D3-85AC-8688991BB068}" type="datetimeFigureOut">
               <a:rPr lang="en-US" smtClean="0"/>
-              <a:t>7/20/2017</a:t>
+              <a:t>2/16/18</a:t>
             </a:fld>
             <a:endParaRPr lang="en-US"/>
           </a:p>
@@ -2928,7 +2931,7 @@
           <p:cNvPr id="5" name="Footer Placeholder 4">
             <a:extLst>
               <a:ext uri="{FF2B5EF4-FFF2-40B4-BE49-F238E27FC236}">
-                <a16:creationId xmlns:a16="http://schemas.microsoft.com/office/drawing/2014/main" id="{21353F77-87C3-427D-B849-B7A52EE598E9}"/>
+                <a16:creationId xmlns="" xmlns:a16="http://schemas.microsoft.com/office/drawing/2014/main" id="{21353F77-87C3-427D-B849-B7A52EE598E9}"/>
               </a:ext>
             </a:extLst>
           </p:cNvPr>
@@ -2971,7 +2974,7 @@
           <p:cNvPr id="6" name="Slide Number Placeholder 5">
             <a:extLst>
               <a:ext uri="{FF2B5EF4-FFF2-40B4-BE49-F238E27FC236}">
-                <a16:creationId xmlns:a16="http://schemas.microsoft.com/office/drawing/2014/main" id="{17FB3EF3-B46C-4E00-8C60-D53482717334}"/>
+                <a16:creationId xmlns="" xmlns:a16="http://schemas.microsoft.com/office/drawing/2014/main" id="{17FB3EF3-B46C-4E00-8C60-D53482717334}"/>
               </a:ext>
             </a:extLst>
           </p:cNvPr>
@@ -3339,7 +3342,7 @@
           <p:cNvPr id="2" name="Title 1">
             <a:extLst>
               <a:ext uri="{FF2B5EF4-FFF2-40B4-BE49-F238E27FC236}">
-                <a16:creationId xmlns:a16="http://schemas.microsoft.com/office/drawing/2014/main" id="{3C5CD1C2-0BC3-45E2-9A84-41B85DEABA2B}"/>
+                <a16:creationId xmlns="" xmlns:a16="http://schemas.microsoft.com/office/drawing/2014/main" id="{3C5CD1C2-0BC3-45E2-9A84-41B85DEABA2B}"/>
               </a:ext>
             </a:extLst>
           </p:cNvPr>
@@ -3364,7 +3367,7 @@
           <p:cNvPr id="3" name="Subtitle 2">
             <a:extLst>
               <a:ext uri="{FF2B5EF4-FFF2-40B4-BE49-F238E27FC236}">
-                <a16:creationId xmlns:a16="http://schemas.microsoft.com/office/drawing/2014/main" id="{C89261F0-6CC1-4609-9046-60486B916371}"/>
+                <a16:creationId xmlns="" xmlns:a16="http://schemas.microsoft.com/office/drawing/2014/main" id="{C89261F0-6CC1-4609-9046-60486B916371}"/>
               </a:ext>
             </a:extLst>
           </p:cNvPr>
@@ -3419,7 +3422,7 @@
           <p:cNvPr id="4" name="Picture 3">
             <a:extLst>
               <a:ext uri="{FF2B5EF4-FFF2-40B4-BE49-F238E27FC236}">
-                <a16:creationId xmlns:a16="http://schemas.microsoft.com/office/drawing/2014/main" id="{F87AA645-69C1-4017-A7AA-C7BCD326E7B6}"/>
+                <a16:creationId xmlns="" xmlns:a16="http://schemas.microsoft.com/office/drawing/2014/main" id="{F87AA645-69C1-4017-A7AA-C7BCD326E7B6}"/>
               </a:ext>
             </a:extLst>
           </p:cNvPr>
@@ -3459,7 +3462,7 @@
           <p:cNvPr id="6" name="Picture 5">
             <a:extLst>
               <a:ext uri="{FF2B5EF4-FFF2-40B4-BE49-F238E27FC236}">
-                <a16:creationId xmlns:a16="http://schemas.microsoft.com/office/drawing/2014/main" id="{86AC7C76-DDEF-40B6-AE92-9C89474A1787}"/>
+                <a16:creationId xmlns="" xmlns:a16="http://schemas.microsoft.com/office/drawing/2014/main" id="{86AC7C76-DDEF-40B6-AE92-9C89474A1787}"/>
               </a:ext>
             </a:extLst>
           </p:cNvPr>
@@ -3499,7 +3502,7 @@
           <p:cNvPr id="8" name="Picture 7">
             <a:extLst>
               <a:ext uri="{FF2B5EF4-FFF2-40B4-BE49-F238E27FC236}">
-                <a16:creationId xmlns:a16="http://schemas.microsoft.com/office/drawing/2014/main" id="{DEA055CE-6922-4FD0-8A98-03A22C38A2E6}"/>
+                <a16:creationId xmlns="" xmlns:a16="http://schemas.microsoft.com/office/drawing/2014/main" id="{DEA055CE-6922-4FD0-8A98-03A22C38A2E6}"/>
               </a:ext>
             </a:extLst>
           </p:cNvPr>
@@ -3539,7 +3542,7 @@
           <p:cNvPr id="10" name="Connector: Curved 9">
             <a:extLst>
               <a:ext uri="{FF2B5EF4-FFF2-40B4-BE49-F238E27FC236}">
-                <a16:creationId xmlns:a16="http://schemas.microsoft.com/office/drawing/2014/main" id="{ECAFC949-C6A7-4F66-9343-B857A9DB6FDD}"/>
+                <a16:creationId xmlns="" xmlns:a16="http://schemas.microsoft.com/office/drawing/2014/main" id="{ECAFC949-C6A7-4F66-9343-B857A9DB6FDD}"/>
               </a:ext>
             </a:extLst>
           </p:cNvPr>
@@ -3584,7 +3587,7 @@
           <p:cNvPr id="17" name="Connector: Curved 16">
             <a:extLst>
               <a:ext uri="{FF2B5EF4-FFF2-40B4-BE49-F238E27FC236}">
-                <a16:creationId xmlns:a16="http://schemas.microsoft.com/office/drawing/2014/main" id="{E0970BE7-F668-45C1-B2EF-E54A6DFA026A}"/>
+                <a16:creationId xmlns="" xmlns:a16="http://schemas.microsoft.com/office/drawing/2014/main" id="{E0970BE7-F668-45C1-B2EF-E54A6DFA026A}"/>
               </a:ext>
             </a:extLst>
           </p:cNvPr>
@@ -3629,7 +3632,7 @@
           <p:cNvPr id="18" name="Picture 17">
             <a:extLst>
               <a:ext uri="{FF2B5EF4-FFF2-40B4-BE49-F238E27FC236}">
-                <a16:creationId xmlns:a16="http://schemas.microsoft.com/office/drawing/2014/main" id="{1447E7D8-5D71-47EA-A77A-FA6122D10BBD}"/>
+                <a16:creationId xmlns="" xmlns:a16="http://schemas.microsoft.com/office/drawing/2014/main" id="{1447E7D8-5D71-47EA-A77A-FA6122D10BBD}"/>
               </a:ext>
             </a:extLst>
           </p:cNvPr>
@@ -3669,7 +3672,7 @@
           <p:cNvPr id="19" name="Picture 18">
             <a:extLst>
               <a:ext uri="{FF2B5EF4-FFF2-40B4-BE49-F238E27FC236}">
-                <a16:creationId xmlns:a16="http://schemas.microsoft.com/office/drawing/2014/main" id="{028648E6-914D-4EAB-88F9-A3D313C399C0}"/>
+                <a16:creationId xmlns="" xmlns:a16="http://schemas.microsoft.com/office/drawing/2014/main" id="{028648E6-914D-4EAB-88F9-A3D313C399C0}"/>
               </a:ext>
             </a:extLst>
           </p:cNvPr>
@@ -3709,7 +3712,7 @@
           <p:cNvPr id="20" name="Picture 19">
             <a:extLst>
               <a:ext uri="{FF2B5EF4-FFF2-40B4-BE49-F238E27FC236}">
-                <a16:creationId xmlns:a16="http://schemas.microsoft.com/office/drawing/2014/main" id="{FB4C20BE-2453-4FFD-97C8-276A5755DA7A}"/>
+                <a16:creationId xmlns="" xmlns:a16="http://schemas.microsoft.com/office/drawing/2014/main" id="{FB4C20BE-2453-4FFD-97C8-276A5755DA7A}"/>
               </a:ext>
             </a:extLst>
           </p:cNvPr>
@@ -3749,7 +3752,7 @@
           <p:cNvPr id="21" name="Connector: Curved 20">
             <a:extLst>
               <a:ext uri="{FF2B5EF4-FFF2-40B4-BE49-F238E27FC236}">
-                <a16:creationId xmlns:a16="http://schemas.microsoft.com/office/drawing/2014/main" id="{B750E92C-F839-4E0D-96DB-B183D5C5DDA9}"/>
+                <a16:creationId xmlns="" xmlns:a16="http://schemas.microsoft.com/office/drawing/2014/main" id="{B750E92C-F839-4E0D-96DB-B183D5C5DDA9}"/>
               </a:ext>
             </a:extLst>
           </p:cNvPr>
@@ -3794,7 +3797,7 @@
           <p:cNvPr id="22" name="Connector: Curved 21">
             <a:extLst>
               <a:ext uri="{FF2B5EF4-FFF2-40B4-BE49-F238E27FC236}">
-                <a16:creationId xmlns:a16="http://schemas.microsoft.com/office/drawing/2014/main" id="{BFCDCCC4-FF4F-42E2-9ED1-5EF111BA3A83}"/>
+                <a16:creationId xmlns="" xmlns:a16="http://schemas.microsoft.com/office/drawing/2014/main" id="{BFCDCCC4-FF4F-42E2-9ED1-5EF111BA3A83}"/>
               </a:ext>
             </a:extLst>
           </p:cNvPr>
@@ -3839,7 +3842,7 @@
           <p:cNvPr id="23" name="Picture 22">
             <a:extLst>
               <a:ext uri="{FF2B5EF4-FFF2-40B4-BE49-F238E27FC236}">
-                <a16:creationId xmlns:a16="http://schemas.microsoft.com/office/drawing/2014/main" id="{C4977462-B626-415D-91D8-357EB93E0C51}"/>
+                <a16:creationId xmlns="" xmlns:a16="http://schemas.microsoft.com/office/drawing/2014/main" id="{C4977462-B626-415D-91D8-357EB93E0C51}"/>
               </a:ext>
             </a:extLst>
           </p:cNvPr>
@@ -3879,7 +3882,7 @@
           <p:cNvPr id="3" name="Connector: Curved 2">
             <a:extLst>
               <a:ext uri="{FF2B5EF4-FFF2-40B4-BE49-F238E27FC236}">
-                <a16:creationId xmlns:a16="http://schemas.microsoft.com/office/drawing/2014/main" id="{CE353663-1FC8-4B2A-8400-FC4AE1A0FCAD}"/>
+                <a16:creationId xmlns="" xmlns:a16="http://schemas.microsoft.com/office/drawing/2014/main" id="{CE353663-1FC8-4B2A-8400-FC4AE1A0FCAD}"/>
               </a:ext>
             </a:extLst>
           </p:cNvPr>
@@ -3923,7 +3926,7 @@
           <p:cNvPr id="9" name="TextBox 8">
             <a:extLst>
               <a:ext uri="{FF2B5EF4-FFF2-40B4-BE49-F238E27FC236}">
-                <a16:creationId xmlns:a16="http://schemas.microsoft.com/office/drawing/2014/main" id="{6954BA3C-3E63-4FD6-888D-1D56011EECB2}"/>
+                <a16:creationId xmlns="" xmlns:a16="http://schemas.microsoft.com/office/drawing/2014/main" id="{6954BA3C-3E63-4FD6-888D-1D56011EECB2}"/>
               </a:ext>
             </a:extLst>
           </p:cNvPr>
@@ -3958,7 +3961,7 @@
           <p:cNvPr id="24" name="Connector: Curved 23">
             <a:extLst>
               <a:ext uri="{FF2B5EF4-FFF2-40B4-BE49-F238E27FC236}">
-                <a16:creationId xmlns:a16="http://schemas.microsoft.com/office/drawing/2014/main" id="{D2620C11-D55C-43C0-9CF7-92BC36B1B188}"/>
+                <a16:creationId xmlns="" xmlns:a16="http://schemas.microsoft.com/office/drawing/2014/main" id="{D2620C11-D55C-43C0-9CF7-92BC36B1B188}"/>
               </a:ext>
             </a:extLst>
           </p:cNvPr>
@@ -4002,7 +4005,7 @@
           <p:cNvPr id="25" name="TextBox 24">
             <a:extLst>
               <a:ext uri="{FF2B5EF4-FFF2-40B4-BE49-F238E27FC236}">
-                <a16:creationId xmlns:a16="http://schemas.microsoft.com/office/drawing/2014/main" id="{863E68FF-1636-43DE-B7C2-320E4A80EB0A}"/>
+                <a16:creationId xmlns="" xmlns:a16="http://schemas.microsoft.com/office/drawing/2014/main" id="{863E68FF-1636-43DE-B7C2-320E4A80EB0A}"/>
               </a:ext>
             </a:extLst>
           </p:cNvPr>
@@ -4037,7 +4040,7 @@
           <p:cNvPr id="26" name="Connector: Curved 25">
             <a:extLst>
               <a:ext uri="{FF2B5EF4-FFF2-40B4-BE49-F238E27FC236}">
-                <a16:creationId xmlns:a16="http://schemas.microsoft.com/office/drawing/2014/main" id="{3144CCE0-31C6-43E5-9B4B-B3295EEE3C4E}"/>
+                <a16:creationId xmlns="" xmlns:a16="http://schemas.microsoft.com/office/drawing/2014/main" id="{3144CCE0-31C6-43E5-9B4B-B3295EEE3C4E}"/>
               </a:ext>
             </a:extLst>
           </p:cNvPr>
@@ -4082,7 +4085,7 @@
           <p:cNvPr id="27" name="TextBox 26">
             <a:extLst>
               <a:ext uri="{FF2B5EF4-FFF2-40B4-BE49-F238E27FC236}">
-                <a16:creationId xmlns:a16="http://schemas.microsoft.com/office/drawing/2014/main" id="{26BAEC9D-2D2B-47B1-AD91-3300B6D336F1}"/>
+                <a16:creationId xmlns="" xmlns:a16="http://schemas.microsoft.com/office/drawing/2014/main" id="{26BAEC9D-2D2B-47B1-AD91-3300B6D336F1}"/>
               </a:ext>
             </a:extLst>
           </p:cNvPr>
@@ -4117,7 +4120,7 @@
           <p:cNvPr id="28" name="Arc 27">
             <a:extLst>
               <a:ext uri="{FF2B5EF4-FFF2-40B4-BE49-F238E27FC236}">
-                <a16:creationId xmlns:a16="http://schemas.microsoft.com/office/drawing/2014/main" id="{CDD0E9C4-7FD8-4538-9083-22F9FA0C1790}"/>
+                <a16:creationId xmlns="" xmlns:a16="http://schemas.microsoft.com/office/drawing/2014/main" id="{CDD0E9C4-7FD8-4538-9083-22F9FA0C1790}"/>
               </a:ext>
             </a:extLst>
           </p:cNvPr>
@@ -4172,7 +4175,7 @@
           <p:cNvPr id="30" name="Straight Arrow Connector 29">
             <a:extLst>
               <a:ext uri="{FF2B5EF4-FFF2-40B4-BE49-F238E27FC236}">
-                <a16:creationId xmlns:a16="http://schemas.microsoft.com/office/drawing/2014/main" id="{AA2B9E6D-AFCD-4A0F-98E7-6251ECF9A224}"/>
+                <a16:creationId xmlns="" xmlns:a16="http://schemas.microsoft.com/office/drawing/2014/main" id="{AA2B9E6D-AFCD-4A0F-98E7-6251ECF9A224}"/>
               </a:ext>
             </a:extLst>
           </p:cNvPr>
@@ -4212,7 +4215,7 @@
           <p:cNvPr id="31" name="Connector: Curved 30">
             <a:extLst>
               <a:ext uri="{FF2B5EF4-FFF2-40B4-BE49-F238E27FC236}">
-                <a16:creationId xmlns:a16="http://schemas.microsoft.com/office/drawing/2014/main" id="{74B9545D-541D-4C92-937D-A881D251B551}"/>
+                <a16:creationId xmlns="" xmlns:a16="http://schemas.microsoft.com/office/drawing/2014/main" id="{74B9545D-541D-4C92-937D-A881D251B551}"/>
               </a:ext>
             </a:extLst>
           </p:cNvPr>
@@ -4256,7 +4259,7 @@
           <p:cNvPr id="32" name="TextBox 31">
             <a:extLst>
               <a:ext uri="{FF2B5EF4-FFF2-40B4-BE49-F238E27FC236}">
-                <a16:creationId xmlns:a16="http://schemas.microsoft.com/office/drawing/2014/main" id="{F9D83BF8-F007-49B6-8553-94CE206D4A41}"/>
+                <a16:creationId xmlns="" xmlns:a16="http://schemas.microsoft.com/office/drawing/2014/main" id="{F9D83BF8-F007-49B6-8553-94CE206D4A41}"/>
               </a:ext>
             </a:extLst>
           </p:cNvPr>
@@ -4291,7 +4294,7 @@
           <p:cNvPr id="33" name="Connector: Curved 32">
             <a:extLst>
               <a:ext uri="{FF2B5EF4-FFF2-40B4-BE49-F238E27FC236}">
-                <a16:creationId xmlns:a16="http://schemas.microsoft.com/office/drawing/2014/main" id="{7F0DF143-BA72-498C-A4CF-FE62691F2E6B}"/>
+                <a16:creationId xmlns="" xmlns:a16="http://schemas.microsoft.com/office/drawing/2014/main" id="{7F0DF143-BA72-498C-A4CF-FE62691F2E6B}"/>
               </a:ext>
             </a:extLst>
           </p:cNvPr>
@@ -4335,7 +4338,7 @@
           <p:cNvPr id="34" name="TextBox 33">
             <a:extLst>
               <a:ext uri="{FF2B5EF4-FFF2-40B4-BE49-F238E27FC236}">
-                <a16:creationId xmlns:a16="http://schemas.microsoft.com/office/drawing/2014/main" id="{3F27BC0E-C14B-4821-BE31-12E55E86A5EC}"/>
+                <a16:creationId xmlns="" xmlns:a16="http://schemas.microsoft.com/office/drawing/2014/main" id="{3F27BC0E-C14B-4821-BE31-12E55E86A5EC}"/>
               </a:ext>
             </a:extLst>
           </p:cNvPr>
@@ -4370,7 +4373,7 @@
           <p:cNvPr id="35" name="Connector: Curved 34">
             <a:extLst>
               <a:ext uri="{FF2B5EF4-FFF2-40B4-BE49-F238E27FC236}">
-                <a16:creationId xmlns:a16="http://schemas.microsoft.com/office/drawing/2014/main" id="{3C900CCC-3D8E-41F9-9C52-ECF8F5AF9C9A}"/>
+                <a16:creationId xmlns="" xmlns:a16="http://schemas.microsoft.com/office/drawing/2014/main" id="{3C900CCC-3D8E-41F9-9C52-ECF8F5AF9C9A}"/>
               </a:ext>
             </a:extLst>
           </p:cNvPr>
@@ -4414,7 +4417,7 @@
           <p:cNvPr id="36" name="TextBox 35">
             <a:extLst>
               <a:ext uri="{FF2B5EF4-FFF2-40B4-BE49-F238E27FC236}">
-                <a16:creationId xmlns:a16="http://schemas.microsoft.com/office/drawing/2014/main" id="{76419492-40C9-4A8A-9257-AE8316BA5531}"/>
+                <a16:creationId xmlns="" xmlns:a16="http://schemas.microsoft.com/office/drawing/2014/main" id="{76419492-40C9-4A8A-9257-AE8316BA5531}"/>
               </a:ext>
             </a:extLst>
           </p:cNvPr>
@@ -4449,7 +4452,7 @@
           <p:cNvPr id="37" name="Connector: Curved 36">
             <a:extLst>
               <a:ext uri="{FF2B5EF4-FFF2-40B4-BE49-F238E27FC236}">
-                <a16:creationId xmlns:a16="http://schemas.microsoft.com/office/drawing/2014/main" id="{63FC6E1D-E185-4F8F-B0E9-02E3466AEED4}"/>
+                <a16:creationId xmlns="" xmlns:a16="http://schemas.microsoft.com/office/drawing/2014/main" id="{63FC6E1D-E185-4F8F-B0E9-02E3466AEED4}"/>
               </a:ext>
             </a:extLst>
           </p:cNvPr>
@@ -4493,7 +4496,7 @@
           <p:cNvPr id="38" name="TextBox 37">
             <a:extLst>
               <a:ext uri="{FF2B5EF4-FFF2-40B4-BE49-F238E27FC236}">
-                <a16:creationId xmlns:a16="http://schemas.microsoft.com/office/drawing/2014/main" id="{AB89FE54-998F-45B8-92C4-49527EC0F070}"/>
+                <a16:creationId xmlns="" xmlns:a16="http://schemas.microsoft.com/office/drawing/2014/main" id="{AB89FE54-998F-45B8-92C4-49527EC0F070}"/>
               </a:ext>
             </a:extLst>
           </p:cNvPr>
@@ -4528,7 +4531,7 @@
           <p:cNvPr id="41" name="Connector: Curved 40">
             <a:extLst>
               <a:ext uri="{FF2B5EF4-FFF2-40B4-BE49-F238E27FC236}">
-                <a16:creationId xmlns:a16="http://schemas.microsoft.com/office/drawing/2014/main" id="{372BF08C-B4BB-4BFC-82AE-B1A534789A25}"/>
+                <a16:creationId xmlns="" xmlns:a16="http://schemas.microsoft.com/office/drawing/2014/main" id="{372BF08C-B4BB-4BFC-82AE-B1A534789A25}"/>
               </a:ext>
             </a:extLst>
           </p:cNvPr>
@@ -4572,7 +4575,7 @@
           <p:cNvPr id="45" name="Connector: Curved 44">
             <a:extLst>
               <a:ext uri="{FF2B5EF4-FFF2-40B4-BE49-F238E27FC236}">
-                <a16:creationId xmlns:a16="http://schemas.microsoft.com/office/drawing/2014/main" id="{6CA88493-0592-42FA-90B2-88F39A37040C}"/>
+                <a16:creationId xmlns="" xmlns:a16="http://schemas.microsoft.com/office/drawing/2014/main" id="{6CA88493-0592-42FA-90B2-88F39A37040C}"/>
               </a:ext>
             </a:extLst>
           </p:cNvPr>
@@ -4616,7 +4619,7 @@
           <p:cNvPr id="46" name="TextBox 45">
             <a:extLst>
               <a:ext uri="{FF2B5EF4-FFF2-40B4-BE49-F238E27FC236}">
-                <a16:creationId xmlns:a16="http://schemas.microsoft.com/office/drawing/2014/main" id="{170594B1-ECA0-4A02-8850-692ED7C5574C}"/>
+                <a16:creationId xmlns="" xmlns:a16="http://schemas.microsoft.com/office/drawing/2014/main" id="{170594B1-ECA0-4A02-8850-692ED7C5574C}"/>
               </a:ext>
             </a:extLst>
           </p:cNvPr>
@@ -4651,7 +4654,7 @@
           <p:cNvPr id="49" name="Connector: Curved 48">
             <a:extLst>
               <a:ext uri="{FF2B5EF4-FFF2-40B4-BE49-F238E27FC236}">
-                <a16:creationId xmlns:a16="http://schemas.microsoft.com/office/drawing/2014/main" id="{A37C2FFF-EE1F-487C-A474-F294023598CD}"/>
+                <a16:creationId xmlns="" xmlns:a16="http://schemas.microsoft.com/office/drawing/2014/main" id="{A37C2FFF-EE1F-487C-A474-F294023598CD}"/>
               </a:ext>
             </a:extLst>
           </p:cNvPr>
@@ -4695,7 +4698,7 @@
           <p:cNvPr id="50" name="TextBox 49">
             <a:extLst>
               <a:ext uri="{FF2B5EF4-FFF2-40B4-BE49-F238E27FC236}">
-                <a16:creationId xmlns:a16="http://schemas.microsoft.com/office/drawing/2014/main" id="{96A30DA8-394F-4577-9B5D-D4B63798F266}"/>
+                <a16:creationId xmlns="" xmlns:a16="http://schemas.microsoft.com/office/drawing/2014/main" id="{96A30DA8-394F-4577-9B5D-D4B63798F266}"/>
               </a:ext>
             </a:extLst>
           </p:cNvPr>
@@ -4730,7 +4733,7 @@
           <p:cNvPr id="51" name="Connector: Curved 50">
             <a:extLst>
               <a:ext uri="{FF2B5EF4-FFF2-40B4-BE49-F238E27FC236}">
-                <a16:creationId xmlns:a16="http://schemas.microsoft.com/office/drawing/2014/main" id="{618ED50D-A222-4F05-943E-1D7F057C5F01}"/>
+                <a16:creationId xmlns="" xmlns:a16="http://schemas.microsoft.com/office/drawing/2014/main" id="{618ED50D-A222-4F05-943E-1D7F057C5F01}"/>
               </a:ext>
             </a:extLst>
           </p:cNvPr>
@@ -4774,7 +4777,7 @@
           <p:cNvPr id="52" name="TextBox 51">
             <a:extLst>
               <a:ext uri="{FF2B5EF4-FFF2-40B4-BE49-F238E27FC236}">
-                <a16:creationId xmlns:a16="http://schemas.microsoft.com/office/drawing/2014/main" id="{082DA820-7D67-41EE-B260-EF8201C81E48}"/>
+                <a16:creationId xmlns="" xmlns:a16="http://schemas.microsoft.com/office/drawing/2014/main" id="{082DA820-7D67-41EE-B260-EF8201C81E48}"/>
               </a:ext>
             </a:extLst>
           </p:cNvPr>
@@ -4809,7 +4812,7 @@
           <p:cNvPr id="53" name="Connector: Curved 52">
             <a:extLst>
               <a:ext uri="{FF2B5EF4-FFF2-40B4-BE49-F238E27FC236}">
-                <a16:creationId xmlns:a16="http://schemas.microsoft.com/office/drawing/2014/main" id="{C66C1D54-C9D0-472C-90A5-3D4F6E65DF7F}"/>
+                <a16:creationId xmlns="" xmlns:a16="http://schemas.microsoft.com/office/drawing/2014/main" id="{C66C1D54-C9D0-472C-90A5-3D4F6E65DF7F}"/>
               </a:ext>
             </a:extLst>
           </p:cNvPr>
@@ -4853,7 +4856,7 @@
           <p:cNvPr id="54" name="TextBox 53">
             <a:extLst>
               <a:ext uri="{FF2B5EF4-FFF2-40B4-BE49-F238E27FC236}">
-                <a16:creationId xmlns:a16="http://schemas.microsoft.com/office/drawing/2014/main" id="{96285206-F4D1-4CBF-AF81-9B2C05BC815A}"/>
+                <a16:creationId xmlns="" xmlns:a16="http://schemas.microsoft.com/office/drawing/2014/main" id="{96285206-F4D1-4CBF-AF81-9B2C05BC815A}"/>
               </a:ext>
             </a:extLst>
           </p:cNvPr>
@@ -4888,7 +4891,7 @@
           <p:cNvPr id="55" name="Connector: Curved 54">
             <a:extLst>
               <a:ext uri="{FF2B5EF4-FFF2-40B4-BE49-F238E27FC236}">
-                <a16:creationId xmlns:a16="http://schemas.microsoft.com/office/drawing/2014/main" id="{AA77CE4A-85AA-40E8-9E6E-7AA39E4E69DC}"/>
+                <a16:creationId xmlns="" xmlns:a16="http://schemas.microsoft.com/office/drawing/2014/main" id="{AA77CE4A-85AA-40E8-9E6E-7AA39E4E69DC}"/>
               </a:ext>
             </a:extLst>
           </p:cNvPr>
@@ -4932,7 +4935,7 @@
           <p:cNvPr id="56" name="TextBox 55">
             <a:extLst>
               <a:ext uri="{FF2B5EF4-FFF2-40B4-BE49-F238E27FC236}">
-                <a16:creationId xmlns:a16="http://schemas.microsoft.com/office/drawing/2014/main" id="{E139BEE9-E319-4403-B841-D2C31C51ACF1}"/>
+                <a16:creationId xmlns="" xmlns:a16="http://schemas.microsoft.com/office/drawing/2014/main" id="{E139BEE9-E319-4403-B841-D2C31C51ACF1}"/>
               </a:ext>
             </a:extLst>
           </p:cNvPr>
@@ -4967,7 +4970,7 @@
           <p:cNvPr id="59" name="Connector: Curved 58">
             <a:extLst>
               <a:ext uri="{FF2B5EF4-FFF2-40B4-BE49-F238E27FC236}">
-                <a16:creationId xmlns:a16="http://schemas.microsoft.com/office/drawing/2014/main" id="{9D4F88D4-EC02-41EA-BB7F-3E358A50FCBB}"/>
+                <a16:creationId xmlns="" xmlns:a16="http://schemas.microsoft.com/office/drawing/2014/main" id="{9D4F88D4-EC02-41EA-BB7F-3E358A50FCBB}"/>
               </a:ext>
             </a:extLst>
           </p:cNvPr>
@@ -5011,7 +5014,7 @@
           <p:cNvPr id="60" name="TextBox 59">
             <a:extLst>
               <a:ext uri="{FF2B5EF4-FFF2-40B4-BE49-F238E27FC236}">
-                <a16:creationId xmlns:a16="http://schemas.microsoft.com/office/drawing/2014/main" id="{ED5051DF-8C28-40C8-844B-A26A2EE51550}"/>
+                <a16:creationId xmlns="" xmlns:a16="http://schemas.microsoft.com/office/drawing/2014/main" id="{ED5051DF-8C28-40C8-844B-A26A2EE51550}"/>
               </a:ext>
             </a:extLst>
           </p:cNvPr>
@@ -5046,7 +5049,7 @@
           <p:cNvPr id="64" name="Connector: Curved 63">
             <a:extLst>
               <a:ext uri="{FF2B5EF4-FFF2-40B4-BE49-F238E27FC236}">
-                <a16:creationId xmlns:a16="http://schemas.microsoft.com/office/drawing/2014/main" id="{A28A773A-E242-4480-9F5B-488FADE08FEA}"/>
+                <a16:creationId xmlns="" xmlns:a16="http://schemas.microsoft.com/office/drawing/2014/main" id="{A28A773A-E242-4480-9F5B-488FADE08FEA}"/>
               </a:ext>
             </a:extLst>
           </p:cNvPr>
@@ -5090,7 +5093,7 @@
           <p:cNvPr id="65" name="TextBox 64">
             <a:extLst>
               <a:ext uri="{FF2B5EF4-FFF2-40B4-BE49-F238E27FC236}">
-                <a16:creationId xmlns:a16="http://schemas.microsoft.com/office/drawing/2014/main" id="{2E8574F3-0D6B-4E5F-B4F4-F2EABC30DFE7}"/>
+                <a16:creationId xmlns="" xmlns:a16="http://schemas.microsoft.com/office/drawing/2014/main" id="{2E8574F3-0D6B-4E5F-B4F4-F2EABC30DFE7}"/>
               </a:ext>
             </a:extLst>
           </p:cNvPr>
@@ -5125,7 +5128,7 @@
           <p:cNvPr id="69" name="Connector: Curved 68">
             <a:extLst>
               <a:ext uri="{FF2B5EF4-FFF2-40B4-BE49-F238E27FC236}">
-                <a16:creationId xmlns:a16="http://schemas.microsoft.com/office/drawing/2014/main" id="{FEA1FAE1-F54D-4935-928B-5C461B1CADAD}"/>
+                <a16:creationId xmlns="" xmlns:a16="http://schemas.microsoft.com/office/drawing/2014/main" id="{FEA1FAE1-F54D-4935-928B-5C461B1CADAD}"/>
               </a:ext>
             </a:extLst>
           </p:cNvPr>
@@ -5169,7 +5172,7 @@
           <p:cNvPr id="70" name="TextBox 69">
             <a:extLst>
               <a:ext uri="{FF2B5EF4-FFF2-40B4-BE49-F238E27FC236}">
-                <a16:creationId xmlns:a16="http://schemas.microsoft.com/office/drawing/2014/main" id="{267F3E14-C508-4F2B-A1D4-679CCC44326E}"/>
+                <a16:creationId xmlns="" xmlns:a16="http://schemas.microsoft.com/office/drawing/2014/main" id="{267F3E14-C508-4F2B-A1D4-679CCC44326E}"/>
               </a:ext>
             </a:extLst>
           </p:cNvPr>
@@ -5204,7 +5207,7 @@
           <p:cNvPr id="72" name="Connector: Curved 71">
             <a:extLst>
               <a:ext uri="{FF2B5EF4-FFF2-40B4-BE49-F238E27FC236}">
-                <a16:creationId xmlns:a16="http://schemas.microsoft.com/office/drawing/2014/main" id="{6D99100E-5C26-4EB1-9AF0-9CB06E7A63B7}"/>
+                <a16:creationId xmlns="" xmlns:a16="http://schemas.microsoft.com/office/drawing/2014/main" id="{6D99100E-5C26-4EB1-9AF0-9CB06E7A63B7}"/>
               </a:ext>
             </a:extLst>
           </p:cNvPr>
@@ -5248,7 +5251,7 @@
           <p:cNvPr id="73" name="TextBox 72">
             <a:extLst>
               <a:ext uri="{FF2B5EF4-FFF2-40B4-BE49-F238E27FC236}">
-                <a16:creationId xmlns:a16="http://schemas.microsoft.com/office/drawing/2014/main" id="{AA653B5B-EBBE-4332-B256-C7B7584B9BD5}"/>
+                <a16:creationId xmlns="" xmlns:a16="http://schemas.microsoft.com/office/drawing/2014/main" id="{AA653B5B-EBBE-4332-B256-C7B7584B9BD5}"/>
               </a:ext>
             </a:extLst>
           </p:cNvPr>
@@ -5283,7 +5286,7 @@
           <p:cNvPr id="74" name="Connector: Curved 73">
             <a:extLst>
               <a:ext uri="{FF2B5EF4-FFF2-40B4-BE49-F238E27FC236}">
-                <a16:creationId xmlns:a16="http://schemas.microsoft.com/office/drawing/2014/main" id="{DE50E8FF-0DC6-4315-81D2-BFC12949207A}"/>
+                <a16:creationId xmlns="" xmlns:a16="http://schemas.microsoft.com/office/drawing/2014/main" id="{DE50E8FF-0DC6-4315-81D2-BFC12949207A}"/>
               </a:ext>
             </a:extLst>
           </p:cNvPr>
@@ -5327,7 +5330,7 @@
           <p:cNvPr id="75" name="TextBox 74">
             <a:extLst>
               <a:ext uri="{FF2B5EF4-FFF2-40B4-BE49-F238E27FC236}">
-                <a16:creationId xmlns:a16="http://schemas.microsoft.com/office/drawing/2014/main" id="{C595A228-707D-41ED-A4C1-C8CE9C433CD6}"/>
+                <a16:creationId xmlns="" xmlns:a16="http://schemas.microsoft.com/office/drawing/2014/main" id="{C595A228-707D-41ED-A4C1-C8CE9C433CD6}"/>
               </a:ext>
             </a:extLst>
           </p:cNvPr>
@@ -5362,7 +5365,7 @@
           <p:cNvPr id="76" name="Connector: Curved 75">
             <a:extLst>
               <a:ext uri="{FF2B5EF4-FFF2-40B4-BE49-F238E27FC236}">
-                <a16:creationId xmlns:a16="http://schemas.microsoft.com/office/drawing/2014/main" id="{C67E1ED4-BFD9-404F-ACBF-08EA87B130A5}"/>
+                <a16:creationId xmlns="" xmlns:a16="http://schemas.microsoft.com/office/drawing/2014/main" id="{C67E1ED4-BFD9-404F-ACBF-08EA87B130A5}"/>
               </a:ext>
             </a:extLst>
           </p:cNvPr>
@@ -5406,7 +5409,7 @@
           <p:cNvPr id="77" name="TextBox 76">
             <a:extLst>
               <a:ext uri="{FF2B5EF4-FFF2-40B4-BE49-F238E27FC236}">
-                <a16:creationId xmlns:a16="http://schemas.microsoft.com/office/drawing/2014/main" id="{67AF0764-7DD4-4478-B606-9E71D9687AF1}"/>
+                <a16:creationId xmlns="" xmlns:a16="http://schemas.microsoft.com/office/drawing/2014/main" id="{67AF0764-7DD4-4478-B606-9E71D9687AF1}"/>
               </a:ext>
             </a:extLst>
           </p:cNvPr>
@@ -5441,7 +5444,7 @@
           <p:cNvPr id="80" name="Connector: Curved 79">
             <a:extLst>
               <a:ext uri="{FF2B5EF4-FFF2-40B4-BE49-F238E27FC236}">
-                <a16:creationId xmlns:a16="http://schemas.microsoft.com/office/drawing/2014/main" id="{C2031F84-C6CD-492C-BBEE-70704D50716E}"/>
+                <a16:creationId xmlns="" xmlns:a16="http://schemas.microsoft.com/office/drawing/2014/main" id="{C2031F84-C6CD-492C-BBEE-70704D50716E}"/>
               </a:ext>
             </a:extLst>
           </p:cNvPr>
@@ -5485,7 +5488,7 @@
           <p:cNvPr id="81" name="TextBox 80">
             <a:extLst>
               <a:ext uri="{FF2B5EF4-FFF2-40B4-BE49-F238E27FC236}">
-                <a16:creationId xmlns:a16="http://schemas.microsoft.com/office/drawing/2014/main" id="{8E1B67D7-A74A-4F78-AADA-CB4D87DDAF7C}"/>
+                <a16:creationId xmlns="" xmlns:a16="http://schemas.microsoft.com/office/drawing/2014/main" id="{8E1B67D7-A74A-4F78-AADA-CB4D87DDAF7C}"/>
               </a:ext>
             </a:extLst>
           </p:cNvPr>
@@ -5520,7 +5523,7 @@
           <p:cNvPr id="82" name="Connector: Curved 81">
             <a:extLst>
               <a:ext uri="{FF2B5EF4-FFF2-40B4-BE49-F238E27FC236}">
-                <a16:creationId xmlns:a16="http://schemas.microsoft.com/office/drawing/2014/main" id="{F1BF6C13-730C-4122-BC4D-FE5B0421C953}"/>
+                <a16:creationId xmlns="" xmlns:a16="http://schemas.microsoft.com/office/drawing/2014/main" id="{F1BF6C13-730C-4122-BC4D-FE5B0421C953}"/>
               </a:ext>
             </a:extLst>
           </p:cNvPr>
@@ -5564,7 +5567,7 @@
           <p:cNvPr id="83" name="TextBox 82">
             <a:extLst>
               <a:ext uri="{FF2B5EF4-FFF2-40B4-BE49-F238E27FC236}">
-                <a16:creationId xmlns:a16="http://schemas.microsoft.com/office/drawing/2014/main" id="{A98FFD2E-ACD3-4083-B252-5820F303A426}"/>
+                <a16:creationId xmlns="" xmlns:a16="http://schemas.microsoft.com/office/drawing/2014/main" id="{A98FFD2E-ACD3-4083-B252-5820F303A426}"/>
               </a:ext>
             </a:extLst>
           </p:cNvPr>
@@ -5599,7 +5602,7 @@
           <p:cNvPr id="87" name="Connector: Curved 86">
             <a:extLst>
               <a:ext uri="{FF2B5EF4-FFF2-40B4-BE49-F238E27FC236}">
-                <a16:creationId xmlns:a16="http://schemas.microsoft.com/office/drawing/2014/main" id="{0880B5F6-2C4A-4848-A455-7A5BDC2E7416}"/>
+                <a16:creationId xmlns="" xmlns:a16="http://schemas.microsoft.com/office/drawing/2014/main" id="{0880B5F6-2C4A-4848-A455-7A5BDC2E7416}"/>
               </a:ext>
             </a:extLst>
           </p:cNvPr>
@@ -5643,7 +5646,7 @@
           <p:cNvPr id="88" name="TextBox 87">
             <a:extLst>
               <a:ext uri="{FF2B5EF4-FFF2-40B4-BE49-F238E27FC236}">
-                <a16:creationId xmlns:a16="http://schemas.microsoft.com/office/drawing/2014/main" id="{0A4BC3DF-337F-4D03-AC94-1ED7BE474253}"/>
+                <a16:creationId xmlns="" xmlns:a16="http://schemas.microsoft.com/office/drawing/2014/main" id="{0A4BC3DF-337F-4D03-AC94-1ED7BE474253}"/>
               </a:ext>
             </a:extLst>
           </p:cNvPr>
@@ -5678,7 +5681,7 @@
           <p:cNvPr id="91" name="Connector: Curved 90">
             <a:extLst>
               <a:ext uri="{FF2B5EF4-FFF2-40B4-BE49-F238E27FC236}">
-                <a16:creationId xmlns:a16="http://schemas.microsoft.com/office/drawing/2014/main" id="{FC49E7A2-2760-49D6-B70C-F39B9AC9220F}"/>
+                <a16:creationId xmlns="" xmlns:a16="http://schemas.microsoft.com/office/drawing/2014/main" id="{FC49E7A2-2760-49D6-B70C-F39B9AC9220F}"/>
               </a:ext>
             </a:extLst>
           </p:cNvPr>
@@ -5722,7 +5725,7 @@
           <p:cNvPr id="92" name="TextBox 91">
             <a:extLst>
               <a:ext uri="{FF2B5EF4-FFF2-40B4-BE49-F238E27FC236}">
-                <a16:creationId xmlns:a16="http://schemas.microsoft.com/office/drawing/2014/main" id="{9E930CA3-14FA-45FD-A9A5-E61A8BC27BA7}"/>
+                <a16:creationId xmlns="" xmlns:a16="http://schemas.microsoft.com/office/drawing/2014/main" id="{9E930CA3-14FA-45FD-A9A5-E61A8BC27BA7}"/>
               </a:ext>
             </a:extLst>
           </p:cNvPr>
@@ -5757,7 +5760,7 @@
           <p:cNvPr id="93" name="Connector: Curved 92">
             <a:extLst>
               <a:ext uri="{FF2B5EF4-FFF2-40B4-BE49-F238E27FC236}">
-                <a16:creationId xmlns:a16="http://schemas.microsoft.com/office/drawing/2014/main" id="{B80E2ADA-8B0E-41CD-BC1B-3A65BF053FC9}"/>
+                <a16:creationId xmlns="" xmlns:a16="http://schemas.microsoft.com/office/drawing/2014/main" id="{B80E2ADA-8B0E-41CD-BC1B-3A65BF053FC9}"/>
               </a:ext>
             </a:extLst>
           </p:cNvPr>
@@ -5801,7 +5804,7 @@
           <p:cNvPr id="94" name="TextBox 93">
             <a:extLst>
               <a:ext uri="{FF2B5EF4-FFF2-40B4-BE49-F238E27FC236}">
-                <a16:creationId xmlns:a16="http://schemas.microsoft.com/office/drawing/2014/main" id="{87167221-13C3-47A8-9C12-2CD3F6035B5C}"/>
+                <a16:creationId xmlns="" xmlns:a16="http://schemas.microsoft.com/office/drawing/2014/main" id="{87167221-13C3-47A8-9C12-2CD3F6035B5C}"/>
               </a:ext>
             </a:extLst>
           </p:cNvPr>
@@ -5836,7 +5839,7 @@
           <p:cNvPr id="96" name="Connector: Curved 95">
             <a:extLst>
               <a:ext uri="{FF2B5EF4-FFF2-40B4-BE49-F238E27FC236}">
-                <a16:creationId xmlns:a16="http://schemas.microsoft.com/office/drawing/2014/main" id="{2903424D-63CF-464B-884E-DB0436D6E106}"/>
+                <a16:creationId xmlns="" xmlns:a16="http://schemas.microsoft.com/office/drawing/2014/main" id="{2903424D-63CF-464B-884E-DB0436D6E106}"/>
               </a:ext>
             </a:extLst>
           </p:cNvPr>
@@ -5880,7 +5883,7 @@
           <p:cNvPr id="97" name="TextBox 96">
             <a:extLst>
               <a:ext uri="{FF2B5EF4-FFF2-40B4-BE49-F238E27FC236}">
-                <a16:creationId xmlns:a16="http://schemas.microsoft.com/office/drawing/2014/main" id="{BC1FB9DD-DAAE-40A2-9D83-6F4791F541FD}"/>
+                <a16:creationId xmlns="" xmlns:a16="http://schemas.microsoft.com/office/drawing/2014/main" id="{BC1FB9DD-DAAE-40A2-9D83-6F4791F541FD}"/>
               </a:ext>
             </a:extLst>
           </p:cNvPr>
@@ -5915,7 +5918,7 @@
           <p:cNvPr id="66" name="Picture 65">
             <a:extLst>
               <a:ext uri="{FF2B5EF4-FFF2-40B4-BE49-F238E27FC236}">
-                <a16:creationId xmlns:a16="http://schemas.microsoft.com/office/drawing/2014/main" id="{B0FF8579-1EFD-45D9-9B65-9796086537D4}"/>
+                <a16:creationId xmlns="" xmlns:a16="http://schemas.microsoft.com/office/drawing/2014/main" id="{B0FF8579-1EFD-45D9-9B65-9796086537D4}"/>
               </a:ext>
             </a:extLst>
           </p:cNvPr>
@@ -5962,7 +5965,7 @@
           <p:cNvPr id="67" name="Connector: Curved 66">
             <a:extLst>
               <a:ext uri="{FF2B5EF4-FFF2-40B4-BE49-F238E27FC236}">
-                <a16:creationId xmlns:a16="http://schemas.microsoft.com/office/drawing/2014/main" id="{65D73FDC-4EC1-4B23-9EC8-730F90DD7918}"/>
+                <a16:creationId xmlns="" xmlns:a16="http://schemas.microsoft.com/office/drawing/2014/main" id="{65D73FDC-4EC1-4B23-9EC8-730F90DD7918}"/>
               </a:ext>
             </a:extLst>
           </p:cNvPr>
@@ -6006,7 +6009,7 @@
           <p:cNvPr id="68" name="TextBox 67">
             <a:extLst>
               <a:ext uri="{FF2B5EF4-FFF2-40B4-BE49-F238E27FC236}">
-                <a16:creationId xmlns:a16="http://schemas.microsoft.com/office/drawing/2014/main" id="{5F00E5C4-448E-417C-8C79-C50196AE1C58}"/>
+                <a16:creationId xmlns="" xmlns:a16="http://schemas.microsoft.com/office/drawing/2014/main" id="{5F00E5C4-448E-417C-8C79-C50196AE1C58}"/>
               </a:ext>
             </a:extLst>
           </p:cNvPr>
@@ -6041,7 +6044,7 @@
           <p:cNvPr id="78" name="Connector: Curved 77">
             <a:extLst>
               <a:ext uri="{FF2B5EF4-FFF2-40B4-BE49-F238E27FC236}">
-                <a16:creationId xmlns:a16="http://schemas.microsoft.com/office/drawing/2014/main" id="{4CF59844-4DB9-4D1C-A44D-21E83DEB14B8}"/>
+                <a16:creationId xmlns="" xmlns:a16="http://schemas.microsoft.com/office/drawing/2014/main" id="{4CF59844-4DB9-4D1C-A44D-21E83DEB14B8}"/>
               </a:ext>
             </a:extLst>
           </p:cNvPr>
@@ -6085,7 +6088,7 @@
           <p:cNvPr id="79" name="TextBox 78">
             <a:extLst>
               <a:ext uri="{FF2B5EF4-FFF2-40B4-BE49-F238E27FC236}">
-                <a16:creationId xmlns:a16="http://schemas.microsoft.com/office/drawing/2014/main" id="{2A8CDE9C-3791-4F0C-9BFF-37E3A8263AC2}"/>
+                <a16:creationId xmlns="" xmlns:a16="http://schemas.microsoft.com/office/drawing/2014/main" id="{2A8CDE9C-3791-4F0C-9BFF-37E3A8263AC2}"/>
               </a:ext>
             </a:extLst>
           </p:cNvPr>
@@ -6120,7 +6123,7 @@
           <p:cNvPr id="84" name="Connector: Curved 83">
             <a:extLst>
               <a:ext uri="{FF2B5EF4-FFF2-40B4-BE49-F238E27FC236}">
-                <a16:creationId xmlns:a16="http://schemas.microsoft.com/office/drawing/2014/main" id="{1FA3925A-5561-4EC1-A007-58340CD97B77}"/>
+                <a16:creationId xmlns="" xmlns:a16="http://schemas.microsoft.com/office/drawing/2014/main" id="{1FA3925A-5561-4EC1-A007-58340CD97B77}"/>
               </a:ext>
             </a:extLst>
           </p:cNvPr>
@@ -6164,7 +6167,7 @@
           <p:cNvPr id="85" name="TextBox 84">
             <a:extLst>
               <a:ext uri="{FF2B5EF4-FFF2-40B4-BE49-F238E27FC236}">
-                <a16:creationId xmlns:a16="http://schemas.microsoft.com/office/drawing/2014/main" id="{0680BDBB-626E-4672-BAB5-523E218FBCA1}"/>
+                <a16:creationId xmlns="" xmlns:a16="http://schemas.microsoft.com/office/drawing/2014/main" id="{0680BDBB-626E-4672-BAB5-523E218FBCA1}"/>
               </a:ext>
             </a:extLst>
           </p:cNvPr>
@@ -6199,7 +6202,7 @@
           <p:cNvPr id="86" name="Connector: Curved 85">
             <a:extLst>
               <a:ext uri="{FF2B5EF4-FFF2-40B4-BE49-F238E27FC236}">
-                <a16:creationId xmlns:a16="http://schemas.microsoft.com/office/drawing/2014/main" id="{7F9BB016-F17D-4D38-BA81-F051C5E9D587}"/>
+                <a16:creationId xmlns="" xmlns:a16="http://schemas.microsoft.com/office/drawing/2014/main" id="{7F9BB016-F17D-4D38-BA81-F051C5E9D587}"/>
               </a:ext>
             </a:extLst>
           </p:cNvPr>
@@ -6243,7 +6246,7 @@
           <p:cNvPr id="89" name="TextBox 88">
             <a:extLst>
               <a:ext uri="{FF2B5EF4-FFF2-40B4-BE49-F238E27FC236}">
-                <a16:creationId xmlns:a16="http://schemas.microsoft.com/office/drawing/2014/main" id="{D0668095-56F1-401A-9F18-C6107469E806}"/>
+                <a16:creationId xmlns="" xmlns:a16="http://schemas.microsoft.com/office/drawing/2014/main" id="{D0668095-56F1-401A-9F18-C6107469E806}"/>
               </a:ext>
             </a:extLst>
           </p:cNvPr>
@@ -6278,7 +6281,7 @@
           <p:cNvPr id="90" name="Connector: Curved 89">
             <a:extLst>
               <a:ext uri="{FF2B5EF4-FFF2-40B4-BE49-F238E27FC236}">
-                <a16:creationId xmlns:a16="http://schemas.microsoft.com/office/drawing/2014/main" id="{E2C21AA0-7B24-4BCD-9F50-117E81B332FE}"/>
+                <a16:creationId xmlns="" xmlns:a16="http://schemas.microsoft.com/office/drawing/2014/main" id="{E2C21AA0-7B24-4BCD-9F50-117E81B332FE}"/>
               </a:ext>
             </a:extLst>
           </p:cNvPr>
@@ -6322,7 +6325,7 @@
           <p:cNvPr id="95" name="TextBox 94">
             <a:extLst>
               <a:ext uri="{FF2B5EF4-FFF2-40B4-BE49-F238E27FC236}">
-                <a16:creationId xmlns:a16="http://schemas.microsoft.com/office/drawing/2014/main" id="{8C46E70C-B94A-4B69-8045-B8F758D3FCB4}"/>
+                <a16:creationId xmlns="" xmlns:a16="http://schemas.microsoft.com/office/drawing/2014/main" id="{8C46E70C-B94A-4B69-8045-B8F758D3FCB4}"/>
               </a:ext>
             </a:extLst>
           </p:cNvPr>
@@ -6357,7 +6360,7 @@
           <p:cNvPr id="98" name="Connector: Curved 97">
             <a:extLst>
               <a:ext uri="{FF2B5EF4-FFF2-40B4-BE49-F238E27FC236}">
-                <a16:creationId xmlns:a16="http://schemas.microsoft.com/office/drawing/2014/main" id="{B7165D5F-AAFB-4E2B-9C1A-887613AAA11B}"/>
+                <a16:creationId xmlns="" xmlns:a16="http://schemas.microsoft.com/office/drawing/2014/main" id="{B7165D5F-AAFB-4E2B-9C1A-887613AAA11B}"/>
               </a:ext>
             </a:extLst>
           </p:cNvPr>
@@ -6401,7 +6404,7 @@
           <p:cNvPr id="99" name="TextBox 98">
             <a:extLst>
               <a:ext uri="{FF2B5EF4-FFF2-40B4-BE49-F238E27FC236}">
-                <a16:creationId xmlns:a16="http://schemas.microsoft.com/office/drawing/2014/main" id="{5748B4FD-290B-4979-9FF6-55886E24D909}"/>
+                <a16:creationId xmlns="" xmlns:a16="http://schemas.microsoft.com/office/drawing/2014/main" id="{5748B4FD-290B-4979-9FF6-55886E24D909}"/>
               </a:ext>
             </a:extLst>
           </p:cNvPr>
@@ -6466,7 +6469,7 @@
           <p:cNvPr id="4" name="Picture 3">
             <a:extLst>
               <a:ext uri="{FF2B5EF4-FFF2-40B4-BE49-F238E27FC236}">
-                <a16:creationId xmlns:a16="http://schemas.microsoft.com/office/drawing/2014/main" id="{243B5017-CE69-44A2-90C3-D4233048D191}"/>
+                <a16:creationId xmlns="" xmlns:a16="http://schemas.microsoft.com/office/drawing/2014/main" id="{243B5017-CE69-44A2-90C3-D4233048D191}"/>
               </a:ext>
             </a:extLst>
           </p:cNvPr>
@@ -6506,7 +6509,7 @@
           <p:cNvPr id="5" name="Connector: Curved 4">
             <a:extLst>
               <a:ext uri="{FF2B5EF4-FFF2-40B4-BE49-F238E27FC236}">
-                <a16:creationId xmlns:a16="http://schemas.microsoft.com/office/drawing/2014/main" id="{5A450AAB-9722-4A24-B31E-B589349CA5D9}"/>
+                <a16:creationId xmlns="" xmlns:a16="http://schemas.microsoft.com/office/drawing/2014/main" id="{5A450AAB-9722-4A24-B31E-B589349CA5D9}"/>
               </a:ext>
             </a:extLst>
           </p:cNvPr>
@@ -6551,7 +6554,7 @@
           <p:cNvPr id="6" name="Picture 5">
             <a:extLst>
               <a:ext uri="{FF2B5EF4-FFF2-40B4-BE49-F238E27FC236}">
-                <a16:creationId xmlns:a16="http://schemas.microsoft.com/office/drawing/2014/main" id="{7B196A36-6C41-4DF7-8983-CFE1DEFC4ED0}"/>
+                <a16:creationId xmlns="" xmlns:a16="http://schemas.microsoft.com/office/drawing/2014/main" id="{7B196A36-6C41-4DF7-8983-CFE1DEFC4ED0}"/>
               </a:ext>
             </a:extLst>
           </p:cNvPr>
@@ -6591,7 +6594,7 @@
           <p:cNvPr id="7" name="Picture 6">
             <a:extLst>
               <a:ext uri="{FF2B5EF4-FFF2-40B4-BE49-F238E27FC236}">
-                <a16:creationId xmlns:a16="http://schemas.microsoft.com/office/drawing/2014/main" id="{E05F87DB-0A32-4335-BB1E-EAFE7E7AE810}"/>
+                <a16:creationId xmlns="" xmlns:a16="http://schemas.microsoft.com/office/drawing/2014/main" id="{E05F87DB-0A32-4335-BB1E-EAFE7E7AE810}"/>
               </a:ext>
             </a:extLst>
           </p:cNvPr>
@@ -6638,7 +6641,7 @@
           <p:cNvPr id="9" name="Straight Connector 8">
             <a:extLst>
               <a:ext uri="{FF2B5EF4-FFF2-40B4-BE49-F238E27FC236}">
-                <a16:creationId xmlns:a16="http://schemas.microsoft.com/office/drawing/2014/main" id="{9DB566F5-57DA-4C68-A84D-0A41BFD9C2D8}"/>
+                <a16:creationId xmlns="" xmlns:a16="http://schemas.microsoft.com/office/drawing/2014/main" id="{9DB566F5-57DA-4C68-A84D-0A41BFD9C2D8}"/>
               </a:ext>
             </a:extLst>
           </p:cNvPr>
@@ -6678,7 +6681,7 @@
           <p:cNvPr id="10" name="TextBox 9">
             <a:extLst>
               <a:ext uri="{FF2B5EF4-FFF2-40B4-BE49-F238E27FC236}">
-                <a16:creationId xmlns:a16="http://schemas.microsoft.com/office/drawing/2014/main" id="{9BB294C4-3FAD-4233-BCF1-04D706DFC737}"/>
+                <a16:creationId xmlns="" xmlns:a16="http://schemas.microsoft.com/office/drawing/2014/main" id="{9BB294C4-3FAD-4233-BCF1-04D706DFC737}"/>
               </a:ext>
             </a:extLst>
           </p:cNvPr>
@@ -6720,7 +6723,7 @@
           <p:cNvPr id="11" name="Straight Connector 10">
             <a:extLst>
               <a:ext uri="{FF2B5EF4-FFF2-40B4-BE49-F238E27FC236}">
-                <a16:creationId xmlns:a16="http://schemas.microsoft.com/office/drawing/2014/main" id="{227FE383-6F6A-414C-8BD4-B73F53949C82}"/>
+                <a16:creationId xmlns="" xmlns:a16="http://schemas.microsoft.com/office/drawing/2014/main" id="{227FE383-6F6A-414C-8BD4-B73F53949C82}"/>
               </a:ext>
             </a:extLst>
           </p:cNvPr>
@@ -6762,7 +6765,7 @@
           <p:cNvPr id="13" name="TextBox 12">
             <a:extLst>
               <a:ext uri="{FF2B5EF4-FFF2-40B4-BE49-F238E27FC236}">
-                <a16:creationId xmlns:a16="http://schemas.microsoft.com/office/drawing/2014/main" id="{0211D723-B001-4507-B786-65F2C07456C0}"/>
+                <a16:creationId xmlns="" xmlns:a16="http://schemas.microsoft.com/office/drawing/2014/main" id="{0211D723-B001-4507-B786-65F2C07456C0}"/>
               </a:ext>
             </a:extLst>
           </p:cNvPr>
@@ -6805,7 +6808,7 @@
           <p:cNvPr id="14" name="Straight Connector 13">
             <a:extLst>
               <a:ext uri="{FF2B5EF4-FFF2-40B4-BE49-F238E27FC236}">
-                <a16:creationId xmlns:a16="http://schemas.microsoft.com/office/drawing/2014/main" id="{E4799B4D-C94E-49C8-95FA-9D3850485B2E}"/>
+                <a16:creationId xmlns="" xmlns:a16="http://schemas.microsoft.com/office/drawing/2014/main" id="{E4799B4D-C94E-49C8-95FA-9D3850485B2E}"/>
               </a:ext>
             </a:extLst>
           </p:cNvPr>
@@ -6847,7 +6850,7 @@
           <p:cNvPr id="16" name="TextBox 15">
             <a:extLst>
               <a:ext uri="{FF2B5EF4-FFF2-40B4-BE49-F238E27FC236}">
-                <a16:creationId xmlns:a16="http://schemas.microsoft.com/office/drawing/2014/main" id="{56FAA91C-DBFD-4486-9598-04EF1539ABCD}"/>
+                <a16:creationId xmlns="" xmlns:a16="http://schemas.microsoft.com/office/drawing/2014/main" id="{56FAA91C-DBFD-4486-9598-04EF1539ABCD}"/>
               </a:ext>
             </a:extLst>
           </p:cNvPr>
@@ -6890,7 +6893,7 @@
           <p:cNvPr id="17" name="Straight Connector 16">
             <a:extLst>
               <a:ext uri="{FF2B5EF4-FFF2-40B4-BE49-F238E27FC236}">
-                <a16:creationId xmlns:a16="http://schemas.microsoft.com/office/drawing/2014/main" id="{D3EA11FA-D577-4339-8F4D-8CCBDA9C43E6}"/>
+                <a16:creationId xmlns="" xmlns:a16="http://schemas.microsoft.com/office/drawing/2014/main" id="{D3EA11FA-D577-4339-8F4D-8CCBDA9C43E6}"/>
               </a:ext>
             </a:extLst>
           </p:cNvPr>
@@ -6932,7 +6935,7 @@
           <p:cNvPr id="18" name="Straight Connector 17">
             <a:extLst>
               <a:ext uri="{FF2B5EF4-FFF2-40B4-BE49-F238E27FC236}">
-                <a16:creationId xmlns:a16="http://schemas.microsoft.com/office/drawing/2014/main" id="{98BFE4EF-2568-4CD5-9FE0-030B2A072B98}"/>
+                <a16:creationId xmlns="" xmlns:a16="http://schemas.microsoft.com/office/drawing/2014/main" id="{98BFE4EF-2568-4CD5-9FE0-030B2A072B98}"/>
               </a:ext>
             </a:extLst>
           </p:cNvPr>
@@ -6974,7 +6977,7 @@
           <p:cNvPr id="19" name="Right Bracket 18">
             <a:extLst>
               <a:ext uri="{FF2B5EF4-FFF2-40B4-BE49-F238E27FC236}">
-                <a16:creationId xmlns:a16="http://schemas.microsoft.com/office/drawing/2014/main" id="{1C41C626-1C92-4FAF-94B4-3AA07D0A7B03}"/>
+                <a16:creationId xmlns="" xmlns:a16="http://schemas.microsoft.com/office/drawing/2014/main" id="{1C41C626-1C92-4FAF-94B4-3AA07D0A7B03}"/>
               </a:ext>
             </a:extLst>
           </p:cNvPr>
@@ -7049,7 +7052,7 @@
           <p:cNvPr id="4" name="Picture 3">
             <a:extLst>
               <a:ext uri="{FF2B5EF4-FFF2-40B4-BE49-F238E27FC236}">
-                <a16:creationId xmlns:a16="http://schemas.microsoft.com/office/drawing/2014/main" id="{62C74B6D-33EB-46C3-B13D-785AC28ADAD2}"/>
+                <a16:creationId xmlns="" xmlns:a16="http://schemas.microsoft.com/office/drawing/2014/main" id="{62C74B6D-33EB-46C3-B13D-785AC28ADAD2}"/>
               </a:ext>
             </a:extLst>
           </p:cNvPr>
@@ -7119,7 +7122,7 @@
           <p:cNvPr id="4" name="Picture 3">
             <a:extLst>
               <a:ext uri="{FF2B5EF4-FFF2-40B4-BE49-F238E27FC236}">
-                <a16:creationId xmlns:a16="http://schemas.microsoft.com/office/drawing/2014/main" id="{F444C1AA-8CF0-419C-B62D-6DC25187F3F0}"/>
+                <a16:creationId xmlns="" xmlns:a16="http://schemas.microsoft.com/office/drawing/2014/main" id="{F444C1AA-8CF0-419C-B62D-6DC25187F3F0}"/>
               </a:ext>
             </a:extLst>
           </p:cNvPr>
@@ -7154,7 +7157,7 @@
           <p:cNvPr id="5" name="Picture 4">
             <a:extLst>
               <a:ext uri="{FF2B5EF4-FFF2-40B4-BE49-F238E27FC236}">
-                <a16:creationId xmlns:a16="http://schemas.microsoft.com/office/drawing/2014/main" id="{4F138787-E072-44F0-83E4-43C426A5BDED}"/>
+                <a16:creationId xmlns="" xmlns:a16="http://schemas.microsoft.com/office/drawing/2014/main" id="{4F138787-E072-44F0-83E4-43C426A5BDED}"/>
               </a:ext>
             </a:extLst>
           </p:cNvPr>
@@ -7207,7 +7210,7 @@
           <p:cNvPr id="6" name="Connector: Curved 5">
             <a:extLst>
               <a:ext uri="{FF2B5EF4-FFF2-40B4-BE49-F238E27FC236}">
-                <a16:creationId xmlns:a16="http://schemas.microsoft.com/office/drawing/2014/main" id="{E77F7E27-D6E9-4139-AD10-45C582E1ADE7}"/>
+                <a16:creationId xmlns="" xmlns:a16="http://schemas.microsoft.com/office/drawing/2014/main" id="{E77F7E27-D6E9-4139-AD10-45C582E1ADE7}"/>
               </a:ext>
             </a:extLst>
           </p:cNvPr>
@@ -7251,7 +7254,7 @@
           <p:cNvPr id="7" name="TextBox 6">
             <a:extLst>
               <a:ext uri="{FF2B5EF4-FFF2-40B4-BE49-F238E27FC236}">
-                <a16:creationId xmlns:a16="http://schemas.microsoft.com/office/drawing/2014/main" id="{E6F6F642-06FE-4405-8D25-186C9F2ED748}"/>
+                <a16:creationId xmlns="" xmlns:a16="http://schemas.microsoft.com/office/drawing/2014/main" id="{E6F6F642-06FE-4405-8D25-186C9F2ED748}"/>
               </a:ext>
             </a:extLst>
           </p:cNvPr>
@@ -7286,7 +7289,7 @@
           <p:cNvPr id="11" name="Connector: Curved 10">
             <a:extLst>
               <a:ext uri="{FF2B5EF4-FFF2-40B4-BE49-F238E27FC236}">
-                <a16:creationId xmlns:a16="http://schemas.microsoft.com/office/drawing/2014/main" id="{4E8ED46B-DB99-49BE-B1D2-EA3B4F9142F4}"/>
+                <a16:creationId xmlns="" xmlns:a16="http://schemas.microsoft.com/office/drawing/2014/main" id="{4E8ED46B-DB99-49BE-B1D2-EA3B4F9142F4}"/>
               </a:ext>
             </a:extLst>
           </p:cNvPr>
@@ -7330,7 +7333,7 @@
           <p:cNvPr id="12" name="TextBox 11">
             <a:extLst>
               <a:ext uri="{FF2B5EF4-FFF2-40B4-BE49-F238E27FC236}">
-                <a16:creationId xmlns:a16="http://schemas.microsoft.com/office/drawing/2014/main" id="{9AA6C972-B48A-4D26-AFB5-C4E738FC03FA}"/>
+                <a16:creationId xmlns="" xmlns:a16="http://schemas.microsoft.com/office/drawing/2014/main" id="{9AA6C972-B48A-4D26-AFB5-C4E738FC03FA}"/>
               </a:ext>
             </a:extLst>
           </p:cNvPr>
@@ -7364,6 +7367,1057 @@
     <p:extLst>
       <p:ext uri="{BB962C8B-B14F-4D97-AF65-F5344CB8AC3E}">
         <p14:creationId xmlns:p14="http://schemas.microsoft.com/office/powerpoint/2010/main" val="1447110579"/>
+      </p:ext>
+    </p:extLst>
+  </p:cSld>
+  <p:clrMapOvr>
+    <a:masterClrMapping/>
+  </p:clrMapOvr>
+</p:sld>
+</file>
+
+<file path=ppt/slides/slide6.xml><?xml version="1.0" encoding="utf-8"?>
+<p:sld xmlns:a="http://schemas.openxmlformats.org/drawingml/2006/main" xmlns:r="http://schemas.openxmlformats.org/officeDocument/2006/relationships" xmlns:p="http://schemas.openxmlformats.org/presentationml/2006/main">
+  <p:cSld>
+    <p:spTree>
+      <p:nvGrpSpPr>
+        <p:cNvPr id="1" name=""/>
+        <p:cNvGrpSpPr/>
+        <p:nvPr/>
+      </p:nvGrpSpPr>
+      <p:grpSpPr>
+        <a:xfrm>
+          <a:off x="0" y="0"/>
+          <a:ext cx="0" cy="0"/>
+          <a:chOff x="0" y="0"/>
+          <a:chExt cx="0" cy="0"/>
+        </a:xfrm>
+      </p:grpSpPr>
+      <p:sp>
+        <p:nvSpPr>
+          <p:cNvPr id="2" name="Title 1"/>
+          <p:cNvSpPr>
+            <a:spLocks noGrp="1"/>
+          </p:cNvSpPr>
+          <p:nvPr>
+            <p:ph type="title"/>
+          </p:nvPr>
+        </p:nvSpPr>
+        <p:spPr/>
+        <p:txBody>
+          <a:bodyPr/>
+          <a:lstStyle/>
+          <a:p>
+            <a:endParaRPr lang="en-US"/>
+          </a:p>
+        </p:txBody>
+      </p:sp>
+      <p:sp>
+        <p:nvSpPr>
+          <p:cNvPr id="3" name="Content Placeholder 2"/>
+          <p:cNvSpPr>
+            <a:spLocks noGrp="1"/>
+          </p:cNvSpPr>
+          <p:nvPr>
+            <p:ph idx="1"/>
+          </p:nvPr>
+        </p:nvSpPr>
+        <p:spPr/>
+        <p:txBody>
+          <a:bodyPr/>
+          <a:lstStyle/>
+          <a:p>
+            <a:endParaRPr lang="en-US"/>
+          </a:p>
+        </p:txBody>
+      </p:sp>
+    </p:spTree>
+    <p:extLst>
+      <p:ext uri="{BB962C8B-B14F-4D97-AF65-F5344CB8AC3E}">
+        <p14:creationId xmlns:p14="http://schemas.microsoft.com/office/powerpoint/2010/main" val="1331266352"/>
+      </p:ext>
+    </p:extLst>
+  </p:cSld>
+  <p:clrMapOvr>
+    <a:masterClrMapping/>
+  </p:clrMapOvr>
+</p:sld>
+</file>
+
+<file path=ppt/slides/slide7.xml><?xml version="1.0" encoding="utf-8"?>
+<p:sld xmlns:a="http://schemas.openxmlformats.org/drawingml/2006/main" xmlns:r="http://schemas.openxmlformats.org/officeDocument/2006/relationships" xmlns:p="http://schemas.openxmlformats.org/presentationml/2006/main">
+  <p:cSld>
+    <p:spTree>
+      <p:nvGrpSpPr>
+        <p:cNvPr id="1" name=""/>
+        <p:cNvGrpSpPr/>
+        <p:nvPr/>
+      </p:nvGrpSpPr>
+      <p:grpSpPr>
+        <a:xfrm>
+          <a:off x="0" y="0"/>
+          <a:ext cx="0" cy="0"/>
+          <a:chOff x="0" y="0"/>
+          <a:chExt cx="0" cy="0"/>
+        </a:xfrm>
+      </p:grpSpPr>
+      <p:grpSp>
+        <p:nvGrpSpPr>
+          <p:cNvPr id="11" name="Group 10"/>
+          <p:cNvGrpSpPr/>
+          <p:nvPr/>
+        </p:nvGrpSpPr>
+        <p:grpSpPr>
+          <a:xfrm>
+            <a:off x="1464204" y="2893536"/>
+            <a:ext cx="8708245" cy="1088807"/>
+            <a:chOff x="1464204" y="2893536"/>
+            <a:chExt cx="8708245" cy="1088807"/>
+          </a:xfrm>
+        </p:grpSpPr>
+        <p:sp>
+          <p:nvSpPr>
+            <p:cNvPr id="4" name="TextBox 3"/>
+            <p:cNvSpPr txBox="1"/>
+            <p:nvPr/>
+          </p:nvSpPr>
+          <p:spPr>
+            <a:xfrm>
+              <a:off x="1612527" y="2952737"/>
+              <a:ext cx="2148793" cy="369332"/>
+            </a:xfrm>
+            <a:prstGeom prst="rect">
+              <a:avLst/>
+            </a:prstGeom>
+            <a:noFill/>
+          </p:spPr>
+          <p:txBody>
+            <a:bodyPr wrap="none" rtlCol="0">
+              <a:spAutoFit/>
+            </a:bodyPr>
+            <a:lstStyle/>
+            <a:p>
+              <a:r>
+                <a:rPr lang="en-US" smtClean="0"/>
+                <a:t>Dissector to the left: </a:t>
+              </a:r>
+              <a:endParaRPr lang="en-US"/>
+            </a:p>
+          </p:txBody>
+        </p:sp>
+        <p:pic>
+          <p:nvPicPr>
+            <p:cNvPr id="6" name="Picture 5"/>
+            <p:cNvPicPr/>
+            <p:nvPr/>
+          </p:nvPicPr>
+          <p:blipFill rotWithShape="1">
+            <a:blip r:embed="rId2"/>
+            <a:srcRect t="18469" b="19467"/>
+            <a:stretch/>
+          </p:blipFill>
+          <p:spPr>
+            <a:xfrm>
+              <a:off x="1464204" y="3332861"/>
+              <a:ext cx="2780665" cy="649482"/>
+            </a:xfrm>
+            <a:prstGeom prst="rect">
+              <a:avLst/>
+            </a:prstGeom>
+          </p:spPr>
+        </p:pic>
+        <p:sp>
+          <p:nvSpPr>
+            <p:cNvPr id="7" name="TextBox 6"/>
+            <p:cNvSpPr txBox="1"/>
+            <p:nvPr/>
+          </p:nvSpPr>
+          <p:spPr>
+            <a:xfrm>
+              <a:off x="4666245" y="2893536"/>
+              <a:ext cx="2273636" cy="369332"/>
+            </a:xfrm>
+            <a:prstGeom prst="rect">
+              <a:avLst/>
+            </a:prstGeom>
+            <a:noFill/>
+          </p:spPr>
+          <p:txBody>
+            <a:bodyPr wrap="none" rtlCol="0">
+              <a:spAutoFit/>
+            </a:bodyPr>
+            <a:lstStyle/>
+            <a:p>
+              <a:r>
+                <a:rPr lang="en-US" dirty="0" smtClean="0"/>
+                <a:t>Dissector to </a:t>
+              </a:r>
+              <a:r>
+                <a:rPr lang="en-US" smtClean="0"/>
+                <a:t>the right: </a:t>
+              </a:r>
+              <a:endParaRPr lang="en-US" dirty="0"/>
+            </a:p>
+          </p:txBody>
+        </p:sp>
+        <p:pic>
+          <p:nvPicPr>
+            <p:cNvPr id="8" name="Picture 7"/>
+            <p:cNvPicPr>
+              <a:picLocks noChangeAspect="1"/>
+            </p:cNvPicPr>
+            <p:nvPr/>
+          </p:nvPicPr>
+          <p:blipFill rotWithShape="1">
+            <a:blip r:embed="rId3"/>
+            <a:srcRect t="10433"/>
+            <a:stretch/>
+          </p:blipFill>
+          <p:spPr>
+            <a:xfrm>
+              <a:off x="4666245" y="3322069"/>
+              <a:ext cx="2551158" cy="660274"/>
+            </a:xfrm>
+            <a:prstGeom prst="rect">
+              <a:avLst/>
+            </a:prstGeom>
+          </p:spPr>
+        </p:pic>
+        <p:pic>
+          <p:nvPicPr>
+            <p:cNvPr id="9" name="Picture 8"/>
+            <p:cNvPicPr/>
+            <p:nvPr/>
+          </p:nvPicPr>
+          <p:blipFill rotWithShape="1">
+            <a:blip r:embed="rId4"/>
+            <a:srcRect t="19519" b="13546"/>
+            <a:stretch/>
+          </p:blipFill>
+          <p:spPr>
+            <a:xfrm>
+              <a:off x="7505704" y="3322069"/>
+              <a:ext cx="2666745" cy="640935"/>
+            </a:xfrm>
+            <a:prstGeom prst="rect">
+              <a:avLst/>
+            </a:prstGeom>
+          </p:spPr>
+        </p:pic>
+        <p:sp>
+          <p:nvSpPr>
+            <p:cNvPr id="10" name="TextBox 9"/>
+            <p:cNvSpPr txBox="1"/>
+            <p:nvPr/>
+          </p:nvSpPr>
+          <p:spPr>
+            <a:xfrm>
+              <a:off x="7665421" y="2893536"/>
+              <a:ext cx="2347309" cy="369332"/>
+            </a:xfrm>
+            <a:prstGeom prst="rect">
+              <a:avLst/>
+            </a:prstGeom>
+            <a:noFill/>
+          </p:spPr>
+          <p:txBody>
+            <a:bodyPr wrap="none" rtlCol="0">
+              <a:spAutoFit/>
+            </a:bodyPr>
+            <a:lstStyle/>
+            <a:p>
+              <a:r>
+                <a:rPr lang="en-US" smtClean="0"/>
+                <a:t>Dissector on the front: </a:t>
+              </a:r>
+              <a:endParaRPr lang="en-US" dirty="0"/>
+            </a:p>
+          </p:txBody>
+        </p:sp>
+      </p:grpSp>
+      <p:grpSp>
+        <p:nvGrpSpPr>
+          <p:cNvPr id="18" name="Group 17"/>
+          <p:cNvGrpSpPr/>
+          <p:nvPr/>
+        </p:nvGrpSpPr>
+        <p:grpSpPr>
+          <a:xfrm>
+            <a:off x="1612527" y="4875559"/>
+            <a:ext cx="9346334" cy="987359"/>
+            <a:chOff x="1612527" y="4875559"/>
+            <a:chExt cx="9346334" cy="987359"/>
+          </a:xfrm>
+        </p:grpSpPr>
+        <p:pic>
+          <p:nvPicPr>
+            <p:cNvPr id="12" name="Picture 11"/>
+            <p:cNvPicPr>
+              <a:picLocks noChangeAspect="1"/>
+            </p:cNvPicPr>
+            <p:nvPr/>
+          </p:nvPicPr>
+          <p:blipFill rotWithShape="1">
+            <a:blip r:embed="rId5"/>
+            <a:srcRect t="15474" b="19814"/>
+            <a:stretch/>
+          </p:blipFill>
+          <p:spPr>
+            <a:xfrm>
+              <a:off x="1612527" y="5264230"/>
+              <a:ext cx="2780665" cy="591670"/>
+            </a:xfrm>
+            <a:prstGeom prst="rect">
+              <a:avLst/>
+            </a:prstGeom>
+          </p:spPr>
+        </p:pic>
+        <p:pic>
+          <p:nvPicPr>
+            <p:cNvPr id="13" name="Picture 12"/>
+            <p:cNvPicPr>
+              <a:picLocks noChangeAspect="1"/>
+            </p:cNvPicPr>
+            <p:nvPr/>
+          </p:nvPicPr>
+          <p:blipFill rotWithShape="1">
+            <a:blip r:embed="rId6"/>
+            <a:srcRect t="9276" b="12067"/>
+            <a:stretch/>
+          </p:blipFill>
+          <p:spPr>
+            <a:xfrm>
+              <a:off x="4622207" y="5271247"/>
+              <a:ext cx="2883497" cy="591671"/>
+            </a:xfrm>
+            <a:prstGeom prst="rect">
+              <a:avLst/>
+            </a:prstGeom>
+          </p:spPr>
+        </p:pic>
+        <p:pic>
+          <p:nvPicPr>
+            <p:cNvPr id="14" name="Picture 13"/>
+            <p:cNvPicPr>
+              <a:picLocks noChangeAspect="1"/>
+            </p:cNvPicPr>
+            <p:nvPr/>
+          </p:nvPicPr>
+          <p:blipFill rotWithShape="1">
+            <a:blip r:embed="rId7"/>
+            <a:srcRect t="31778" b="17362"/>
+            <a:stretch/>
+          </p:blipFill>
+          <p:spPr>
+            <a:xfrm>
+              <a:off x="7734719" y="5280356"/>
+              <a:ext cx="3224142" cy="582562"/>
+            </a:xfrm>
+            <a:prstGeom prst="rect">
+              <a:avLst/>
+            </a:prstGeom>
+          </p:spPr>
+        </p:pic>
+        <p:sp>
+          <p:nvSpPr>
+            <p:cNvPr id="15" name="TextBox 14"/>
+            <p:cNvSpPr txBox="1"/>
+            <p:nvPr/>
+          </p:nvSpPr>
+          <p:spPr>
+            <a:xfrm>
+              <a:off x="2061499" y="4934760"/>
+              <a:ext cx="2148793" cy="369332"/>
+            </a:xfrm>
+            <a:prstGeom prst="rect">
+              <a:avLst/>
+            </a:prstGeom>
+            <a:noFill/>
+          </p:spPr>
+          <p:txBody>
+            <a:bodyPr wrap="none" rtlCol="0">
+              <a:spAutoFit/>
+            </a:bodyPr>
+            <a:lstStyle/>
+            <a:p>
+              <a:r>
+                <a:rPr lang="en-US" smtClean="0"/>
+                <a:t>Dissector to the left: </a:t>
+              </a:r>
+              <a:endParaRPr lang="en-US"/>
+            </a:p>
+          </p:txBody>
+        </p:sp>
+        <p:sp>
+          <p:nvSpPr>
+            <p:cNvPr id="16" name="TextBox 15"/>
+            <p:cNvSpPr txBox="1"/>
+            <p:nvPr/>
+          </p:nvSpPr>
+          <p:spPr>
+            <a:xfrm>
+              <a:off x="5115217" y="4875559"/>
+              <a:ext cx="2273636" cy="369332"/>
+            </a:xfrm>
+            <a:prstGeom prst="rect">
+              <a:avLst/>
+            </a:prstGeom>
+            <a:noFill/>
+          </p:spPr>
+          <p:txBody>
+            <a:bodyPr wrap="none" rtlCol="0">
+              <a:spAutoFit/>
+            </a:bodyPr>
+            <a:lstStyle/>
+            <a:p>
+              <a:r>
+                <a:rPr lang="en-US" dirty="0" smtClean="0"/>
+                <a:t>Dissector to </a:t>
+              </a:r>
+              <a:r>
+                <a:rPr lang="en-US" smtClean="0"/>
+                <a:t>the right: </a:t>
+              </a:r>
+              <a:endParaRPr lang="en-US" dirty="0"/>
+            </a:p>
+          </p:txBody>
+        </p:sp>
+        <p:sp>
+          <p:nvSpPr>
+            <p:cNvPr id="17" name="TextBox 16"/>
+            <p:cNvSpPr txBox="1"/>
+            <p:nvPr/>
+          </p:nvSpPr>
+          <p:spPr>
+            <a:xfrm>
+              <a:off x="8114393" y="4875559"/>
+              <a:ext cx="2347309" cy="369332"/>
+            </a:xfrm>
+            <a:prstGeom prst="rect">
+              <a:avLst/>
+            </a:prstGeom>
+            <a:noFill/>
+          </p:spPr>
+          <p:txBody>
+            <a:bodyPr wrap="none" rtlCol="0">
+              <a:spAutoFit/>
+            </a:bodyPr>
+            <a:lstStyle/>
+            <a:p>
+              <a:r>
+                <a:rPr lang="en-US" smtClean="0"/>
+                <a:t>Dissector on the front: </a:t>
+              </a:r>
+              <a:endParaRPr lang="en-US" dirty="0"/>
+            </a:p>
+          </p:txBody>
+        </p:sp>
+      </p:grpSp>
+    </p:spTree>
+    <p:extLst>
+      <p:ext uri="{BB962C8B-B14F-4D97-AF65-F5344CB8AC3E}">
+        <p14:creationId xmlns:p14="http://schemas.microsoft.com/office/powerpoint/2010/main" val="1258248107"/>
+      </p:ext>
+    </p:extLst>
+  </p:cSld>
+  <p:clrMapOvr>
+    <a:masterClrMapping/>
+  </p:clrMapOvr>
+</p:sld>
+</file>
+
+<file path=ppt/slides/slide8.xml><?xml version="1.0" encoding="utf-8"?>
+<p:sld xmlns:a="http://schemas.openxmlformats.org/drawingml/2006/main" xmlns:r="http://schemas.openxmlformats.org/officeDocument/2006/relationships" xmlns:p="http://schemas.openxmlformats.org/presentationml/2006/main">
+  <p:cSld>
+    <p:spTree>
+      <p:nvGrpSpPr>
+        <p:cNvPr id="1" name=""/>
+        <p:cNvGrpSpPr/>
+        <p:nvPr/>
+      </p:nvGrpSpPr>
+      <p:grpSpPr>
+        <a:xfrm>
+          <a:off x="0" y="0"/>
+          <a:ext cx="0" cy="0"/>
+          <a:chOff x="0" y="0"/>
+          <a:chExt cx="0" cy="0"/>
+        </a:xfrm>
+      </p:grpSpPr>
+      <p:pic>
+        <p:nvPicPr>
+          <p:cNvPr id="4" name="Picture 3"/>
+          <p:cNvPicPr/>
+          <p:nvPr/>
+        </p:nvPicPr>
+        <p:blipFill>
+          <a:blip r:embed="rId2" cstate="print"/>
+          <a:srcRect/>
+          <a:stretch>
+            <a:fillRect/>
+          </a:stretch>
+        </p:blipFill>
+        <p:spPr bwMode="auto">
+          <a:xfrm>
+            <a:off x="7122081" y="1828498"/>
+            <a:ext cx="4268470" cy="3056255"/>
+          </a:xfrm>
+          <a:prstGeom prst="rect">
+            <a:avLst/>
+          </a:prstGeom>
+          <a:noFill/>
+          <a:ln w="9525">
+            <a:noFill/>
+            <a:miter lim="800000"/>
+            <a:headEnd/>
+            <a:tailEnd/>
+          </a:ln>
+        </p:spPr>
+      </p:pic>
+      <p:grpSp>
+        <p:nvGrpSpPr>
+          <p:cNvPr id="25" name="Group 24"/>
+          <p:cNvGrpSpPr/>
+          <p:nvPr/>
+        </p:nvGrpSpPr>
+        <p:grpSpPr>
+          <a:xfrm>
+            <a:off x="658368" y="1408079"/>
+            <a:ext cx="5943600" cy="3656873"/>
+            <a:chOff x="658368" y="1408079"/>
+            <a:chExt cx="5943600" cy="3656873"/>
+          </a:xfrm>
+        </p:grpSpPr>
+        <p:pic>
+          <p:nvPicPr>
+            <p:cNvPr id="5" name="Picture 4"/>
+            <p:cNvPicPr/>
+            <p:nvPr/>
+          </p:nvPicPr>
+          <p:blipFill>
+            <a:blip r:embed="rId3" cstate="print"/>
+            <a:srcRect/>
+            <a:stretch>
+              <a:fillRect/>
+            </a:stretch>
+          </p:blipFill>
+          <p:spPr bwMode="auto">
+            <a:xfrm>
+              <a:off x="658368" y="2248916"/>
+              <a:ext cx="5943600" cy="2677160"/>
+            </a:xfrm>
+            <a:prstGeom prst="rect">
+              <a:avLst/>
+            </a:prstGeom>
+            <a:noFill/>
+            <a:ln w="9525">
+              <a:noFill/>
+              <a:miter lim="800000"/>
+              <a:headEnd/>
+              <a:tailEnd/>
+            </a:ln>
+          </p:spPr>
+        </p:pic>
+        <p:pic>
+          <p:nvPicPr>
+            <p:cNvPr id="6" name="Picture 5"/>
+            <p:cNvPicPr/>
+            <p:nvPr/>
+          </p:nvPicPr>
+          <p:blipFill>
+            <a:blip r:embed="rId4" cstate="print"/>
+            <a:srcRect/>
+            <a:stretch>
+              <a:fillRect/>
+            </a:stretch>
+          </p:blipFill>
+          <p:spPr bwMode="auto">
+            <a:xfrm rot="5400000">
+              <a:off x="1124031" y="958469"/>
+              <a:ext cx="840837" cy="1740058"/>
+            </a:xfrm>
+            <a:prstGeom prst="rect">
+              <a:avLst/>
+            </a:prstGeom>
+            <a:noFill/>
+            <a:ln w="9525">
+              <a:noFill/>
+              <a:miter lim="800000"/>
+              <a:headEnd/>
+              <a:tailEnd/>
+            </a:ln>
+          </p:spPr>
+        </p:pic>
+        <p:sp>
+          <p:nvSpPr>
+            <p:cNvPr id="7" name="TextBox 6"/>
+            <p:cNvSpPr txBox="1"/>
+            <p:nvPr/>
+          </p:nvSpPr>
+          <p:spPr>
+            <a:xfrm>
+              <a:off x="3709834" y="3691752"/>
+              <a:ext cx="955711" cy="246221"/>
+            </a:xfrm>
+            <a:prstGeom prst="rect">
+              <a:avLst/>
+            </a:prstGeom>
+            <a:noFill/>
+          </p:spPr>
+          <p:txBody>
+            <a:bodyPr wrap="none" rtlCol="0">
+              <a:spAutoFit/>
+            </a:bodyPr>
+            <a:lstStyle/>
+            <a:p>
+              <a:r>
+                <a:rPr lang="en-US" sz="1000" dirty="0" smtClean="0"/>
+                <a:t>Suction Tubing</a:t>
+              </a:r>
+              <a:endParaRPr lang="en-US" sz="1000" dirty="0"/>
+            </a:p>
+          </p:txBody>
+        </p:sp>
+        <p:sp>
+          <p:nvSpPr>
+            <p:cNvPr id="8" name="TextBox 7"/>
+            <p:cNvSpPr txBox="1"/>
+            <p:nvPr/>
+          </p:nvSpPr>
+          <p:spPr>
+            <a:xfrm>
+              <a:off x="5195314" y="4818731"/>
+              <a:ext cx="1398140" cy="246221"/>
+            </a:xfrm>
+            <a:prstGeom prst="rect">
+              <a:avLst/>
+            </a:prstGeom>
+            <a:noFill/>
+          </p:spPr>
+          <p:txBody>
+            <a:bodyPr wrap="none" rtlCol="0">
+              <a:spAutoFit/>
+            </a:bodyPr>
+            <a:lstStyle/>
+            <a:p>
+              <a:r>
+                <a:rPr lang="en-US" sz="1000" dirty="0" smtClean="0"/>
+                <a:t>Female Luer Connector</a:t>
+              </a:r>
+              <a:endParaRPr lang="en-US" sz="1000" dirty="0"/>
+            </a:p>
+          </p:txBody>
+        </p:sp>
+        <p:sp>
+          <p:nvSpPr>
+            <p:cNvPr id="9" name="TextBox 8"/>
+            <p:cNvSpPr txBox="1"/>
+            <p:nvPr/>
+          </p:nvSpPr>
+          <p:spPr>
+            <a:xfrm>
+              <a:off x="2743809" y="2233150"/>
+              <a:ext cx="816249" cy="246221"/>
+            </a:xfrm>
+            <a:prstGeom prst="rect">
+              <a:avLst/>
+            </a:prstGeom>
+            <a:noFill/>
+          </p:spPr>
+          <p:txBody>
+            <a:bodyPr wrap="none" rtlCol="0">
+              <a:spAutoFit/>
+            </a:bodyPr>
+            <a:lstStyle/>
+            <a:p>
+              <a:r>
+                <a:rPr lang="en-US" sz="1000" smtClean="0"/>
+                <a:t>Finger Piece</a:t>
+              </a:r>
+              <a:endParaRPr lang="en-US" sz="1000" dirty="0"/>
+            </a:p>
+          </p:txBody>
+        </p:sp>
+        <p:sp>
+          <p:nvSpPr>
+            <p:cNvPr id="10" name="TextBox 9"/>
+            <p:cNvSpPr txBox="1"/>
+            <p:nvPr/>
+          </p:nvSpPr>
+          <p:spPr>
+            <a:xfrm>
+              <a:off x="4918636" y="2359917"/>
+              <a:ext cx="553357" cy="246221"/>
+            </a:xfrm>
+            <a:prstGeom prst="rect">
+              <a:avLst/>
+            </a:prstGeom>
+            <a:noFill/>
+          </p:spPr>
+          <p:txBody>
+            <a:bodyPr wrap="none" rtlCol="0">
+              <a:spAutoFit/>
+            </a:bodyPr>
+            <a:lstStyle/>
+            <a:p>
+              <a:r>
+                <a:rPr lang="en-US" sz="1000" smtClean="0"/>
+                <a:t>Handle</a:t>
+              </a:r>
+              <a:endParaRPr lang="en-US" sz="1000" dirty="0"/>
+            </a:p>
+          </p:txBody>
+        </p:sp>
+        <p:sp>
+          <p:nvSpPr>
+            <p:cNvPr id="11" name="TextBox 10"/>
+            <p:cNvSpPr txBox="1"/>
+            <p:nvPr/>
+          </p:nvSpPr>
+          <p:spPr>
+            <a:xfrm>
+              <a:off x="764671" y="2300710"/>
+              <a:ext cx="1095172" cy="246221"/>
+            </a:xfrm>
+            <a:prstGeom prst="rect">
+              <a:avLst/>
+            </a:prstGeom>
+            <a:noFill/>
+          </p:spPr>
+          <p:txBody>
+            <a:bodyPr wrap="none" rtlCol="0">
+              <a:spAutoFit/>
+            </a:bodyPr>
+            <a:lstStyle/>
+            <a:p>
+              <a:r>
+                <a:rPr lang="en-US" sz="1000" dirty="0" smtClean="0"/>
+                <a:t>Nitinol CCM wrist</a:t>
+              </a:r>
+              <a:endParaRPr lang="en-US" sz="1000" dirty="0"/>
+            </a:p>
+          </p:txBody>
+        </p:sp>
+        <p:sp>
+          <p:nvSpPr>
+            <p:cNvPr id="12" name="TextBox 11"/>
+            <p:cNvSpPr txBox="1"/>
+            <p:nvPr/>
+          </p:nvSpPr>
+          <p:spPr>
+            <a:xfrm>
+              <a:off x="3156282" y="3118922"/>
+              <a:ext cx="1883849" cy="246221"/>
+            </a:xfrm>
+            <a:prstGeom prst="rect">
+              <a:avLst/>
+            </a:prstGeom>
+            <a:noFill/>
+          </p:spPr>
+          <p:txBody>
+            <a:bodyPr wrap="none" rtlCol="0">
+              <a:spAutoFit/>
+            </a:bodyPr>
+            <a:lstStyle/>
+            <a:p>
+              <a:r>
+                <a:rPr lang="en-US" sz="1000" dirty="0" smtClean="0"/>
+                <a:t>Nitinol curved suction connector</a:t>
+              </a:r>
+              <a:endParaRPr lang="en-US" sz="1000" dirty="0"/>
+            </a:p>
+          </p:txBody>
+        </p:sp>
+        <p:cxnSp>
+          <p:nvCxnSpPr>
+            <p:cNvPr id="14" name="Straight Connector 13"/>
+            <p:cNvCxnSpPr/>
+            <p:nvPr/>
+          </p:nvCxnSpPr>
+          <p:spPr>
+            <a:xfrm flipH="1" flipV="1">
+              <a:off x="1024585" y="2548612"/>
+              <a:ext cx="75109" cy="112396"/>
+            </a:xfrm>
+            <a:prstGeom prst="line">
+              <a:avLst/>
+            </a:prstGeom>
+            <a:ln>
+              <a:solidFill>
+                <a:schemeClr val="tx1"/>
+              </a:solidFill>
+            </a:ln>
+          </p:spPr>
+          <p:style>
+            <a:lnRef idx="1">
+              <a:schemeClr val="accent1"/>
+            </a:lnRef>
+            <a:fillRef idx="0">
+              <a:schemeClr val="accent1"/>
+            </a:fillRef>
+            <a:effectRef idx="0">
+              <a:schemeClr val="accent1"/>
+            </a:effectRef>
+            <a:fontRef idx="minor">
+              <a:schemeClr val="tx1"/>
+            </a:fontRef>
+          </p:style>
+        </p:cxnSp>
+        <p:cxnSp>
+          <p:nvCxnSpPr>
+            <p:cNvPr id="15" name="Straight Connector 14"/>
+            <p:cNvCxnSpPr/>
+            <p:nvPr/>
+          </p:nvCxnSpPr>
+          <p:spPr>
+            <a:xfrm flipH="1" flipV="1">
+              <a:off x="3110143" y="2451648"/>
+              <a:ext cx="75109" cy="112396"/>
+            </a:xfrm>
+            <a:prstGeom prst="line">
+              <a:avLst/>
+            </a:prstGeom>
+            <a:ln>
+              <a:solidFill>
+                <a:schemeClr val="tx1"/>
+              </a:solidFill>
+            </a:ln>
+          </p:spPr>
+          <p:style>
+            <a:lnRef idx="1">
+              <a:schemeClr val="accent1"/>
+            </a:lnRef>
+            <a:fillRef idx="0">
+              <a:schemeClr val="accent1"/>
+            </a:fillRef>
+            <a:effectRef idx="0">
+              <a:schemeClr val="accent1"/>
+            </a:effectRef>
+            <a:fontRef idx="minor">
+              <a:schemeClr val="tx1"/>
+            </a:fontRef>
+          </p:style>
+        </p:cxnSp>
+        <p:cxnSp>
+          <p:nvCxnSpPr>
+            <p:cNvPr id="16" name="Straight Connector 15"/>
+            <p:cNvCxnSpPr/>
+            <p:nvPr/>
+          </p:nvCxnSpPr>
+          <p:spPr>
+            <a:xfrm flipH="1" flipV="1">
+              <a:off x="3215245" y="3037555"/>
+              <a:ext cx="75109" cy="112396"/>
+            </a:xfrm>
+            <a:prstGeom prst="line">
+              <a:avLst/>
+            </a:prstGeom>
+            <a:ln>
+              <a:solidFill>
+                <a:schemeClr val="tx1"/>
+              </a:solidFill>
+            </a:ln>
+          </p:spPr>
+          <p:style>
+            <a:lnRef idx="1">
+              <a:schemeClr val="accent1"/>
+            </a:lnRef>
+            <a:fillRef idx="0">
+              <a:schemeClr val="accent1"/>
+            </a:fillRef>
+            <a:effectRef idx="0">
+              <a:schemeClr val="accent1"/>
+            </a:effectRef>
+            <a:fontRef idx="minor">
+              <a:schemeClr val="tx1"/>
+            </a:fontRef>
+          </p:style>
+        </p:cxnSp>
+        <p:cxnSp>
+          <p:nvCxnSpPr>
+            <p:cNvPr id="18" name="Straight Connector 17"/>
+            <p:cNvCxnSpPr/>
+            <p:nvPr/>
+          </p:nvCxnSpPr>
+          <p:spPr>
+            <a:xfrm flipH="1" flipV="1">
+              <a:off x="5195315" y="2558840"/>
+              <a:ext cx="75109" cy="112396"/>
+            </a:xfrm>
+            <a:prstGeom prst="line">
+              <a:avLst/>
+            </a:prstGeom>
+            <a:ln>
+              <a:solidFill>
+                <a:schemeClr val="tx1"/>
+              </a:solidFill>
+            </a:ln>
+          </p:spPr>
+          <p:style>
+            <a:lnRef idx="1">
+              <a:schemeClr val="accent1"/>
+            </a:lnRef>
+            <a:fillRef idx="0">
+              <a:schemeClr val="accent1"/>
+            </a:fillRef>
+            <a:effectRef idx="0">
+              <a:schemeClr val="accent1"/>
+            </a:effectRef>
+            <a:fontRef idx="minor">
+              <a:schemeClr val="tx1"/>
+            </a:fontRef>
+          </p:style>
+        </p:cxnSp>
+        <p:cxnSp>
+          <p:nvCxnSpPr>
+            <p:cNvPr id="19" name="Straight Connector 18"/>
+            <p:cNvCxnSpPr/>
+            <p:nvPr/>
+          </p:nvCxnSpPr>
+          <p:spPr>
+            <a:xfrm flipH="1" flipV="1">
+              <a:off x="4098206" y="3641089"/>
+              <a:ext cx="75109" cy="112396"/>
+            </a:xfrm>
+            <a:prstGeom prst="line">
+              <a:avLst/>
+            </a:prstGeom>
+            <a:ln>
+              <a:solidFill>
+                <a:schemeClr val="tx1"/>
+              </a:solidFill>
+            </a:ln>
+          </p:spPr>
+          <p:style>
+            <a:lnRef idx="1">
+              <a:schemeClr val="accent1"/>
+            </a:lnRef>
+            <a:fillRef idx="0">
+              <a:schemeClr val="accent1"/>
+            </a:fillRef>
+            <a:effectRef idx="0">
+              <a:schemeClr val="accent1"/>
+            </a:effectRef>
+            <a:fontRef idx="minor">
+              <a:schemeClr val="tx1"/>
+            </a:fontRef>
+          </p:style>
+        </p:cxnSp>
+        <p:cxnSp>
+          <p:nvCxnSpPr>
+            <p:cNvPr id="20" name="Straight Connector 19"/>
+            <p:cNvCxnSpPr/>
+            <p:nvPr/>
+          </p:nvCxnSpPr>
+          <p:spPr>
+            <a:xfrm flipH="1" flipV="1">
+              <a:off x="5604476" y="4780311"/>
+              <a:ext cx="75109" cy="112396"/>
+            </a:xfrm>
+            <a:prstGeom prst="line">
+              <a:avLst/>
+            </a:prstGeom>
+            <a:ln>
+              <a:solidFill>
+                <a:schemeClr val="tx1"/>
+              </a:solidFill>
+            </a:ln>
+          </p:spPr>
+          <p:style>
+            <a:lnRef idx="1">
+              <a:schemeClr val="accent1"/>
+            </a:lnRef>
+            <a:fillRef idx="0">
+              <a:schemeClr val="accent1"/>
+            </a:fillRef>
+            <a:effectRef idx="0">
+              <a:schemeClr val="accent1"/>
+            </a:effectRef>
+            <a:fontRef idx="minor">
+              <a:schemeClr val="tx1"/>
+            </a:fontRef>
+          </p:style>
+        </p:cxnSp>
+        <p:sp>
+          <p:nvSpPr>
+            <p:cNvPr id="21" name="Rectangle 20"/>
+            <p:cNvSpPr/>
+            <p:nvPr/>
+          </p:nvSpPr>
+          <p:spPr>
+            <a:xfrm>
+              <a:off x="764671" y="2687002"/>
+              <a:ext cx="547586" cy="195535"/>
+            </a:xfrm>
+            <a:prstGeom prst="rect">
+              <a:avLst/>
+            </a:prstGeom>
+            <a:noFill/>
+          </p:spPr>
+          <p:style>
+            <a:lnRef idx="2">
+              <a:schemeClr val="accent1">
+                <a:shade val="50000"/>
+              </a:schemeClr>
+            </a:lnRef>
+            <a:fillRef idx="1">
+              <a:schemeClr val="accent1"/>
+            </a:fillRef>
+            <a:effectRef idx="0">
+              <a:schemeClr val="accent1"/>
+            </a:effectRef>
+            <a:fontRef idx="minor">
+              <a:schemeClr val="lt1"/>
+            </a:fontRef>
+          </p:style>
+          <p:txBody>
+            <a:bodyPr rtlCol="0" anchor="ctr"/>
+            <a:lstStyle/>
+            <a:p>
+              <a:pPr algn="ctr"/>
+              <a:endParaRPr lang="en-US"/>
+            </a:p>
+          </p:txBody>
+        </p:sp>
+        <p:cxnSp>
+          <p:nvCxnSpPr>
+            <p:cNvPr id="22" name="Straight Connector 21"/>
+            <p:cNvCxnSpPr/>
+            <p:nvPr/>
+          </p:nvCxnSpPr>
+          <p:spPr>
+            <a:xfrm flipV="1">
+              <a:off x="1034860" y="2203834"/>
+              <a:ext cx="75108" cy="147628"/>
+            </a:xfrm>
+            <a:prstGeom prst="line">
+              <a:avLst/>
+            </a:prstGeom>
+            <a:ln>
+              <a:solidFill>
+                <a:schemeClr val="tx1"/>
+              </a:solidFill>
+            </a:ln>
+          </p:spPr>
+          <p:style>
+            <a:lnRef idx="1">
+              <a:schemeClr val="accent1"/>
+            </a:lnRef>
+            <a:fillRef idx="0">
+              <a:schemeClr val="accent1"/>
+            </a:fillRef>
+            <a:effectRef idx="0">
+              <a:schemeClr val="accent1"/>
+            </a:effectRef>
+            <a:fontRef idx="minor">
+              <a:schemeClr val="tx1"/>
+            </a:fontRef>
+          </p:style>
+        </p:cxnSp>
+      </p:grpSp>
+    </p:spTree>
+    <p:extLst>
+      <p:ext uri="{BB962C8B-B14F-4D97-AF65-F5344CB8AC3E}">
+        <p14:creationId xmlns:p14="http://schemas.microsoft.com/office/powerpoint/2010/main" val="472199685"/>
       </p:ext>
     </p:extLst>
   </p:cSld>
